--- a/Create new app.pptx
+++ b/Create new app.pptx
@@ -5,7 +5,7 @@
     <p:sldMasterId id="2147483648" r:id="rId1"/>
   </p:sldMasterIdLst>
   <p:notesMasterIdLst>
-    <p:notesMasterId r:id="rId10"/>
+    <p:notesMasterId r:id="rId11"/>
   </p:notesMasterIdLst>
   <p:sldIdLst>
     <p:sldId id="256" r:id="rId2"/>
@@ -16,6 +16,7 @@
     <p:sldId id="260" r:id="rId7"/>
     <p:sldId id="259" r:id="rId8"/>
     <p:sldId id="261" r:id="rId9"/>
+    <p:sldId id="264" r:id="rId10"/>
   </p:sldIdLst>
   <p:sldSz cx="12192000" cy="6858000"/>
   <p:notesSz cx="6858000" cy="9144000"/>
@@ -204,7 +205,7 @@
           <a:p>
             <a:fld id="{A0E10CB6-354A-456B-A071-D8A2889FE234}" type="datetimeFigureOut">
               <a:rPr lang="en-US" smtClean="0"/>
-              <a:t>7/30/2021</a:t>
+              <a:t>8/3/2021</a:t>
             </a:fld>
             <a:endParaRPr lang="en-US"/>
           </a:p>
@@ -713,7 +714,7 @@
           <a:p>
             <a:fld id="{3F3FDA28-B08F-423A-96F5-499ECB6ED952}" type="datetimeFigureOut">
               <a:rPr lang="en-US" smtClean="0"/>
-              <a:t>7/30/2021</a:t>
+              <a:t>8/3/2021</a:t>
             </a:fld>
             <a:endParaRPr lang="en-US"/>
           </a:p>
@@ -911,7 +912,7 @@
           <a:p>
             <a:fld id="{3F3FDA28-B08F-423A-96F5-499ECB6ED952}" type="datetimeFigureOut">
               <a:rPr lang="en-US" smtClean="0"/>
-              <a:t>7/30/2021</a:t>
+              <a:t>8/3/2021</a:t>
             </a:fld>
             <a:endParaRPr lang="en-US"/>
           </a:p>
@@ -1119,7 +1120,7 @@
           <a:p>
             <a:fld id="{3F3FDA28-B08F-423A-96F5-499ECB6ED952}" type="datetimeFigureOut">
               <a:rPr lang="en-US" smtClean="0"/>
-              <a:t>7/30/2021</a:t>
+              <a:t>8/3/2021</a:t>
             </a:fld>
             <a:endParaRPr lang="en-US"/>
           </a:p>
@@ -1317,7 +1318,7 @@
           <a:p>
             <a:fld id="{3F3FDA28-B08F-423A-96F5-499ECB6ED952}" type="datetimeFigureOut">
               <a:rPr lang="en-US" smtClean="0"/>
-              <a:t>7/30/2021</a:t>
+              <a:t>8/3/2021</a:t>
             </a:fld>
             <a:endParaRPr lang="en-US"/>
           </a:p>
@@ -1592,7 +1593,7 @@
           <a:p>
             <a:fld id="{3F3FDA28-B08F-423A-96F5-499ECB6ED952}" type="datetimeFigureOut">
               <a:rPr lang="en-US" smtClean="0"/>
-              <a:t>7/30/2021</a:t>
+              <a:t>8/3/2021</a:t>
             </a:fld>
             <a:endParaRPr lang="en-US"/>
           </a:p>
@@ -1857,7 +1858,7 @@
           <a:p>
             <a:fld id="{3F3FDA28-B08F-423A-96F5-499ECB6ED952}" type="datetimeFigureOut">
               <a:rPr lang="en-US" smtClean="0"/>
-              <a:t>7/30/2021</a:t>
+              <a:t>8/3/2021</a:t>
             </a:fld>
             <a:endParaRPr lang="en-US"/>
           </a:p>
@@ -2269,7 +2270,7 @@
           <a:p>
             <a:fld id="{3F3FDA28-B08F-423A-96F5-499ECB6ED952}" type="datetimeFigureOut">
               <a:rPr lang="en-US" smtClean="0"/>
-              <a:t>7/30/2021</a:t>
+              <a:t>8/3/2021</a:t>
             </a:fld>
             <a:endParaRPr lang="en-US"/>
           </a:p>
@@ -2410,7 +2411,7 @@
           <a:p>
             <a:fld id="{3F3FDA28-B08F-423A-96F5-499ECB6ED952}" type="datetimeFigureOut">
               <a:rPr lang="en-US" smtClean="0"/>
-              <a:t>7/30/2021</a:t>
+              <a:t>8/3/2021</a:t>
             </a:fld>
             <a:endParaRPr lang="en-US"/>
           </a:p>
@@ -2523,7 +2524,7 @@
           <a:p>
             <a:fld id="{3F3FDA28-B08F-423A-96F5-499ECB6ED952}" type="datetimeFigureOut">
               <a:rPr lang="en-US" smtClean="0"/>
-              <a:t>7/30/2021</a:t>
+              <a:t>8/3/2021</a:t>
             </a:fld>
             <a:endParaRPr lang="en-US"/>
           </a:p>
@@ -2834,7 +2835,7 @@
           <a:p>
             <a:fld id="{3F3FDA28-B08F-423A-96F5-499ECB6ED952}" type="datetimeFigureOut">
               <a:rPr lang="en-US" smtClean="0"/>
-              <a:t>7/30/2021</a:t>
+              <a:t>8/3/2021</a:t>
             </a:fld>
             <a:endParaRPr lang="en-US"/>
           </a:p>
@@ -3122,7 +3123,7 @@
           <a:p>
             <a:fld id="{3F3FDA28-B08F-423A-96F5-499ECB6ED952}" type="datetimeFigureOut">
               <a:rPr lang="en-US" smtClean="0"/>
-              <a:t>7/30/2021</a:t>
+              <a:t>8/3/2021</a:t>
             </a:fld>
             <a:endParaRPr lang="en-US"/>
           </a:p>
@@ -3363,7 +3364,7 @@
           <a:p>
             <a:fld id="{3F3FDA28-B08F-423A-96F5-499ECB6ED952}" type="datetimeFigureOut">
               <a:rPr lang="en-US" smtClean="0"/>
-              <a:t>7/30/2021</a:t>
+              <a:t>8/3/2021</a:t>
             </a:fld>
             <a:endParaRPr lang="en-US"/>
           </a:p>
@@ -4645,6 +4646,105 @@
     <p:extLst>
       <p:ext uri="{BB962C8B-B14F-4D97-AF65-F5344CB8AC3E}">
         <p14:creationId xmlns:p14="http://schemas.microsoft.com/office/powerpoint/2010/main" val="2874989028"/>
+      </p:ext>
+    </p:extLst>
+  </p:cSld>
+  <p:clrMapOvr>
+    <a:masterClrMapping/>
+  </p:clrMapOvr>
+</p:sld>
+</file>
+
+<file path=ppt/slides/slide9.xml><?xml version="1.0" encoding="utf-8"?>
+<p:sld xmlns:a="http://schemas.openxmlformats.org/drawingml/2006/main" xmlns:r="http://schemas.openxmlformats.org/officeDocument/2006/relationships" xmlns:p="http://schemas.openxmlformats.org/presentationml/2006/main">
+  <p:cSld>
+    <p:spTree>
+      <p:nvGrpSpPr>
+        <p:cNvPr id="1" name=""/>
+        <p:cNvGrpSpPr/>
+        <p:nvPr/>
+      </p:nvGrpSpPr>
+      <p:grpSpPr>
+        <a:xfrm>
+          <a:off x="0" y="0"/>
+          <a:ext cx="0" cy="0"/>
+          <a:chOff x="0" y="0"/>
+          <a:chExt cx="0" cy="0"/>
+        </a:xfrm>
+      </p:grpSpPr>
+      <p:sp>
+        <p:nvSpPr>
+          <p:cNvPr id="2" name="Title 1">
+            <a:extLst>
+              <a:ext uri="{FF2B5EF4-FFF2-40B4-BE49-F238E27FC236}">
+                <a16:creationId xmlns:a16="http://schemas.microsoft.com/office/drawing/2014/main" id="{F06FF0DA-BA63-498D-9757-60F09F6E68BC}"/>
+              </a:ext>
+            </a:extLst>
+          </p:cNvPr>
+          <p:cNvSpPr>
+            <a:spLocks noGrp="1"/>
+          </p:cNvSpPr>
+          <p:nvPr>
+            <p:ph type="title"/>
+          </p:nvPr>
+        </p:nvSpPr>
+        <p:spPr/>
+        <p:txBody>
+          <a:bodyPr/>
+          <a:lstStyle/>
+          <a:p>
+            <a:r>
+              <a:rPr lang="en-US" dirty="0"/>
+              <a:t>Upload and display </a:t>
+            </a:r>
+            <a:r>
+              <a:rPr lang="en-US" dirty="0" err="1"/>
+              <a:t>imate</a:t>
+            </a:r>
+            <a:endParaRPr lang="en-US" dirty="0"/>
+          </a:p>
+        </p:txBody>
+      </p:sp>
+      <p:sp>
+        <p:nvSpPr>
+          <p:cNvPr id="3" name="Content Placeholder 2">
+            <a:extLst>
+              <a:ext uri="{FF2B5EF4-FFF2-40B4-BE49-F238E27FC236}">
+                <a16:creationId xmlns:a16="http://schemas.microsoft.com/office/drawing/2014/main" id="{2419C9B7-1091-4593-9EC2-098E0367AD15}"/>
+              </a:ext>
+            </a:extLst>
+          </p:cNvPr>
+          <p:cNvSpPr>
+            <a:spLocks noGrp="1"/>
+          </p:cNvSpPr>
+          <p:nvPr>
+            <p:ph idx="1"/>
+          </p:nvPr>
+        </p:nvSpPr>
+        <p:spPr/>
+        <p:txBody>
+          <a:bodyPr/>
+          <a:lstStyle/>
+          <a:p>
+            <a:r>
+              <a:rPr lang="en-US" dirty="0"/>
+              <a:t>Refer to </a:t>
+            </a:r>
+            <a:r>
+              <a:rPr lang="en-US" dirty="0" err="1"/>
+              <a:t>html_css_javascript</a:t>
+            </a:r>
+            <a:r>
+              <a:rPr lang="en-US" dirty="0"/>
+              <a:t>/week3/week_buttonWithDivs.ppt</a:t>
+            </a:r>
+          </a:p>
+        </p:txBody>
+      </p:sp>
+    </p:spTree>
+    <p:extLst>
+      <p:ext uri="{BB962C8B-B14F-4D97-AF65-F5344CB8AC3E}">
+        <p14:creationId xmlns:p14="http://schemas.microsoft.com/office/powerpoint/2010/main" val="159124408"/>
       </p:ext>
     </p:extLst>
   </p:cSld>

--- a/Create new app.pptx
+++ b/Create new app.pptx
@@ -5,7 +5,7 @@
     <p:sldMasterId id="2147483648" r:id="rId1"/>
   </p:sldMasterIdLst>
   <p:notesMasterIdLst>
-    <p:notesMasterId r:id="rId11"/>
+    <p:notesMasterId r:id="rId21"/>
   </p:notesMasterIdLst>
   <p:sldIdLst>
     <p:sldId id="256" r:id="rId2"/>
@@ -17,6 +17,16 @@
     <p:sldId id="259" r:id="rId8"/>
     <p:sldId id="261" r:id="rId9"/>
     <p:sldId id="264" r:id="rId10"/>
+    <p:sldId id="265" r:id="rId11"/>
+    <p:sldId id="270" r:id="rId12"/>
+    <p:sldId id="266" r:id="rId13"/>
+    <p:sldId id="267" r:id="rId14"/>
+    <p:sldId id="268" r:id="rId15"/>
+    <p:sldId id="269" r:id="rId16"/>
+    <p:sldId id="271" r:id="rId17"/>
+    <p:sldId id="272" r:id="rId18"/>
+    <p:sldId id="273" r:id="rId19"/>
+    <p:sldId id="274" r:id="rId20"/>
   </p:sldIdLst>
   <p:sldSz cx="12192000" cy="6858000"/>
   <p:notesSz cx="6858000" cy="9144000"/>
@@ -116,6 +126,45 @@
     </a:lvl9pPr>
   </p:defaultTextStyle>
   <p:extLst>
+    <p:ext uri="{521415D9-36F7-43E2-AB2F-B90AF26B5E84}">
+      <p14:sectionLst xmlns:p14="http://schemas.microsoft.com/office/powerpoint/2010/main">
+        <p14:section name="Default Section" id="{5ACCD3A5-565B-4FC9-9298-A4C2137DF466}">
+          <p14:sldIdLst>
+            <p14:sldId id="256"/>
+            <p14:sldId id="263"/>
+            <p14:sldId id="258"/>
+            <p14:sldId id="257"/>
+            <p14:sldId id="262"/>
+            <p14:sldId id="260"/>
+            <p14:sldId id="259"/>
+            <p14:sldId id="261"/>
+          </p14:sldIdLst>
+        </p14:section>
+        <p14:section name="How to create upload image/file page" id="{DBB62D00-9A56-46DC-BA58-A258477FF941}">
+          <p14:sldIdLst>
+            <p14:sldId id="264"/>
+            <p14:sldId id="265"/>
+          </p14:sldIdLst>
+        </p14:section>
+        <p14:section name="Click button and execute python (internal python script)" id="{082D33E8-BA94-47E7-8B31-24B57896733E}">
+          <p14:sldIdLst>
+            <p14:sldId id="270"/>
+            <p14:sldId id="266"/>
+            <p14:sldId id="267"/>
+            <p14:sldId id="268"/>
+            <p14:sldId id="269"/>
+          </p14:sldIdLst>
+        </p14:section>
+        <p14:section name="Click button and execute python (external python script)" id="{4888AA43-20B7-4EE4-A682-FFE8B4DE8E25}">
+          <p14:sldIdLst>
+            <p14:sldId id="271"/>
+            <p14:sldId id="272"/>
+            <p14:sldId id="273"/>
+            <p14:sldId id="274"/>
+          </p14:sldIdLst>
+        </p14:section>
+      </p14:sectionLst>
+    </p:ext>
     <p:ext uri="{EFAFB233-063F-42B5-8137-9DF3F51BA10A}">
       <p15:sldGuideLst xmlns:p15="http://schemas.microsoft.com/office/powerpoint/2012/main"/>
     </p:ext>
@@ -205,7 +254,7 @@
           <a:p>
             <a:fld id="{A0E10CB6-354A-456B-A071-D8A2889FE234}" type="datetimeFigureOut">
               <a:rPr lang="en-US" smtClean="0"/>
-              <a:t>8/3/2021</a:t>
+              <a:t>8/7/2021</a:t>
             </a:fld>
             <a:endParaRPr lang="en-US"/>
           </a:p>
@@ -714,7 +763,7 @@
           <a:p>
             <a:fld id="{3F3FDA28-B08F-423A-96F5-499ECB6ED952}" type="datetimeFigureOut">
               <a:rPr lang="en-US" smtClean="0"/>
-              <a:t>8/3/2021</a:t>
+              <a:t>8/7/2021</a:t>
             </a:fld>
             <a:endParaRPr lang="en-US"/>
           </a:p>
@@ -912,7 +961,7 @@
           <a:p>
             <a:fld id="{3F3FDA28-B08F-423A-96F5-499ECB6ED952}" type="datetimeFigureOut">
               <a:rPr lang="en-US" smtClean="0"/>
-              <a:t>8/3/2021</a:t>
+              <a:t>8/7/2021</a:t>
             </a:fld>
             <a:endParaRPr lang="en-US"/>
           </a:p>
@@ -1120,7 +1169,7 @@
           <a:p>
             <a:fld id="{3F3FDA28-B08F-423A-96F5-499ECB6ED952}" type="datetimeFigureOut">
               <a:rPr lang="en-US" smtClean="0"/>
-              <a:t>8/3/2021</a:t>
+              <a:t>8/7/2021</a:t>
             </a:fld>
             <a:endParaRPr lang="en-US"/>
           </a:p>
@@ -1318,7 +1367,7 @@
           <a:p>
             <a:fld id="{3F3FDA28-B08F-423A-96F5-499ECB6ED952}" type="datetimeFigureOut">
               <a:rPr lang="en-US" smtClean="0"/>
-              <a:t>8/3/2021</a:t>
+              <a:t>8/7/2021</a:t>
             </a:fld>
             <a:endParaRPr lang="en-US"/>
           </a:p>
@@ -1593,7 +1642,7 @@
           <a:p>
             <a:fld id="{3F3FDA28-B08F-423A-96F5-499ECB6ED952}" type="datetimeFigureOut">
               <a:rPr lang="en-US" smtClean="0"/>
-              <a:t>8/3/2021</a:t>
+              <a:t>8/7/2021</a:t>
             </a:fld>
             <a:endParaRPr lang="en-US"/>
           </a:p>
@@ -1858,7 +1907,7 @@
           <a:p>
             <a:fld id="{3F3FDA28-B08F-423A-96F5-499ECB6ED952}" type="datetimeFigureOut">
               <a:rPr lang="en-US" smtClean="0"/>
-              <a:t>8/3/2021</a:t>
+              <a:t>8/7/2021</a:t>
             </a:fld>
             <a:endParaRPr lang="en-US"/>
           </a:p>
@@ -2270,7 +2319,7 @@
           <a:p>
             <a:fld id="{3F3FDA28-B08F-423A-96F5-499ECB6ED952}" type="datetimeFigureOut">
               <a:rPr lang="en-US" smtClean="0"/>
-              <a:t>8/3/2021</a:t>
+              <a:t>8/7/2021</a:t>
             </a:fld>
             <a:endParaRPr lang="en-US"/>
           </a:p>
@@ -2411,7 +2460,7 @@
           <a:p>
             <a:fld id="{3F3FDA28-B08F-423A-96F5-499ECB6ED952}" type="datetimeFigureOut">
               <a:rPr lang="en-US" smtClean="0"/>
-              <a:t>8/3/2021</a:t>
+              <a:t>8/7/2021</a:t>
             </a:fld>
             <a:endParaRPr lang="en-US"/>
           </a:p>
@@ -2524,7 +2573,7 @@
           <a:p>
             <a:fld id="{3F3FDA28-B08F-423A-96F5-499ECB6ED952}" type="datetimeFigureOut">
               <a:rPr lang="en-US" smtClean="0"/>
-              <a:t>8/3/2021</a:t>
+              <a:t>8/7/2021</a:t>
             </a:fld>
             <a:endParaRPr lang="en-US"/>
           </a:p>
@@ -2835,7 +2884,7 @@
           <a:p>
             <a:fld id="{3F3FDA28-B08F-423A-96F5-499ECB6ED952}" type="datetimeFigureOut">
               <a:rPr lang="en-US" smtClean="0"/>
-              <a:t>8/3/2021</a:t>
+              <a:t>8/7/2021</a:t>
             </a:fld>
             <a:endParaRPr lang="en-US"/>
           </a:p>
@@ -3123,7 +3172,7 @@
           <a:p>
             <a:fld id="{3F3FDA28-B08F-423A-96F5-499ECB6ED952}" type="datetimeFigureOut">
               <a:rPr lang="en-US" smtClean="0"/>
-              <a:t>8/3/2021</a:t>
+              <a:t>8/7/2021</a:t>
             </a:fld>
             <a:endParaRPr lang="en-US"/>
           </a:p>
@@ -3364,7 +3413,7 @@
           <a:p>
             <a:fld id="{3F3FDA28-B08F-423A-96F5-499ECB6ED952}" type="datetimeFigureOut">
               <a:rPr lang="en-US" smtClean="0"/>
-              <a:t>8/3/2021</a:t>
+              <a:t>8/7/2021</a:t>
             </a:fld>
             <a:endParaRPr lang="en-US"/>
           </a:p>
@@ -3892,6 +3941,1381 @@
 </p:sld>
 </file>
 
+<file path=ppt/slides/slide10.xml><?xml version="1.0" encoding="utf-8"?>
+<p:sld xmlns:a="http://schemas.openxmlformats.org/drawingml/2006/main" xmlns:r="http://schemas.openxmlformats.org/officeDocument/2006/relationships" xmlns:p="http://schemas.openxmlformats.org/presentationml/2006/main">
+  <p:cSld>
+    <p:spTree>
+      <p:nvGrpSpPr>
+        <p:cNvPr id="1" name=""/>
+        <p:cNvGrpSpPr/>
+        <p:nvPr/>
+      </p:nvGrpSpPr>
+      <p:grpSpPr>
+        <a:xfrm>
+          <a:off x="0" y="0"/>
+          <a:ext cx="0" cy="0"/>
+          <a:chOff x="0" y="0"/>
+          <a:chExt cx="0" cy="0"/>
+        </a:xfrm>
+      </p:grpSpPr>
+      <p:sp>
+        <p:nvSpPr>
+          <p:cNvPr id="2" name="Title 1">
+            <a:extLst>
+              <a:ext uri="{FF2B5EF4-FFF2-40B4-BE49-F238E27FC236}">
+                <a16:creationId xmlns:a16="http://schemas.microsoft.com/office/drawing/2014/main" id="{07638DC1-2076-4527-BDAE-726CB5195E95}"/>
+              </a:ext>
+            </a:extLst>
+          </p:cNvPr>
+          <p:cNvSpPr>
+            <a:spLocks noGrp="1"/>
+          </p:cNvSpPr>
+          <p:nvPr>
+            <p:ph type="title"/>
+          </p:nvPr>
+        </p:nvSpPr>
+        <p:spPr>
+          <a:xfrm>
+            <a:off x="727363" y="0"/>
+            <a:ext cx="10515600" cy="1325563"/>
+          </a:xfrm>
+        </p:spPr>
+        <p:txBody>
+          <a:bodyPr/>
+          <a:lstStyle/>
+          <a:p>
+            <a:r>
+              <a:rPr lang="en-US" dirty="0"/>
+              <a:t>Upload and display text file</a:t>
+            </a:r>
+          </a:p>
+        </p:txBody>
+      </p:sp>
+      <p:sp>
+        <p:nvSpPr>
+          <p:cNvPr id="7" name="Content Placeholder 6">
+            <a:extLst>
+              <a:ext uri="{FF2B5EF4-FFF2-40B4-BE49-F238E27FC236}">
+                <a16:creationId xmlns:a16="http://schemas.microsoft.com/office/drawing/2014/main" id="{F4C4EF99-584C-4FAB-BBD1-CF7CB3A4A3CE}"/>
+              </a:ext>
+            </a:extLst>
+          </p:cNvPr>
+          <p:cNvSpPr>
+            <a:spLocks noGrp="1"/>
+          </p:cNvSpPr>
+          <p:nvPr>
+            <p:ph idx="1"/>
+          </p:nvPr>
+        </p:nvSpPr>
+        <p:spPr>
+          <a:xfrm>
+            <a:off x="727363" y="1253331"/>
+            <a:ext cx="10515600" cy="4351338"/>
+          </a:xfrm>
+        </p:spPr>
+        <p:txBody>
+          <a:bodyPr/>
+          <a:lstStyle/>
+          <a:p>
+            <a:r>
+              <a:rPr lang="en-US" dirty="0"/>
+              <a:t>Reference link: </a:t>
+            </a:r>
+            <a:r>
+              <a:rPr lang="en-US" dirty="0">
+                <a:hlinkClick r:id="rId2"/>
+              </a:rPr>
+              <a:t>https://www.geeksforgeeks.org/how-to-read-a-local-text-file-using-javascript/</a:t>
+            </a:r>
+            <a:endParaRPr lang="en-US" dirty="0"/>
+          </a:p>
+          <a:p>
+            <a:endParaRPr lang="en-US" dirty="0"/>
+          </a:p>
+          <a:p>
+            <a:endParaRPr lang="en-US" dirty="0"/>
+          </a:p>
+        </p:txBody>
+      </p:sp>
+      <p:pic>
+        <p:nvPicPr>
+          <p:cNvPr id="9" name="Picture 8" descr="Graphical user interface, text, application&#10;&#10;Description automatically generated">
+            <a:extLst>
+              <a:ext uri="{FF2B5EF4-FFF2-40B4-BE49-F238E27FC236}">
+                <a16:creationId xmlns:a16="http://schemas.microsoft.com/office/drawing/2014/main" id="{3781C0EF-77FC-4FA8-A42A-48A5ADFA1DC1}"/>
+              </a:ext>
+            </a:extLst>
+          </p:cNvPr>
+          <p:cNvPicPr>
+            <a:picLocks noChangeAspect="1"/>
+          </p:cNvPicPr>
+          <p:nvPr/>
+        </p:nvPicPr>
+        <p:blipFill>
+          <a:blip r:embed="rId3"/>
+          <a:stretch>
+            <a:fillRect/>
+          </a:stretch>
+        </p:blipFill>
+        <p:spPr>
+          <a:xfrm>
+            <a:off x="949037" y="2308520"/>
+            <a:ext cx="6443230" cy="4057060"/>
+          </a:xfrm>
+          <a:prstGeom prst="rect">
+            <a:avLst/>
+          </a:prstGeom>
+        </p:spPr>
+      </p:pic>
+    </p:spTree>
+    <p:extLst>
+      <p:ext uri="{BB962C8B-B14F-4D97-AF65-F5344CB8AC3E}">
+        <p14:creationId xmlns:p14="http://schemas.microsoft.com/office/powerpoint/2010/main" val="1244419412"/>
+      </p:ext>
+    </p:extLst>
+  </p:cSld>
+  <p:clrMapOvr>
+    <a:masterClrMapping/>
+  </p:clrMapOvr>
+</p:sld>
+</file>
+
+<file path=ppt/slides/slide11.xml><?xml version="1.0" encoding="utf-8"?>
+<p:sld xmlns:a="http://schemas.openxmlformats.org/drawingml/2006/main" xmlns:r="http://schemas.openxmlformats.org/officeDocument/2006/relationships" xmlns:p="http://schemas.openxmlformats.org/presentationml/2006/main">
+  <p:cSld>
+    <p:spTree>
+      <p:nvGrpSpPr>
+        <p:cNvPr id="1" name=""/>
+        <p:cNvGrpSpPr/>
+        <p:nvPr/>
+      </p:nvGrpSpPr>
+      <p:grpSpPr>
+        <a:xfrm>
+          <a:off x="0" y="0"/>
+          <a:ext cx="0" cy="0"/>
+          <a:chOff x="0" y="0"/>
+          <a:chExt cx="0" cy="0"/>
+        </a:xfrm>
+      </p:grpSpPr>
+      <p:sp>
+        <p:nvSpPr>
+          <p:cNvPr id="2" name="Title 1">
+            <a:extLst>
+              <a:ext uri="{FF2B5EF4-FFF2-40B4-BE49-F238E27FC236}">
+                <a16:creationId xmlns:a16="http://schemas.microsoft.com/office/drawing/2014/main" id="{6DEBE515-7106-4ABC-BF2A-61558BC21AA4}"/>
+              </a:ext>
+            </a:extLst>
+          </p:cNvPr>
+          <p:cNvSpPr>
+            <a:spLocks noGrp="1"/>
+          </p:cNvSpPr>
+          <p:nvPr>
+            <p:ph type="title"/>
+          </p:nvPr>
+        </p:nvSpPr>
+        <p:spPr/>
+        <p:txBody>
+          <a:bodyPr/>
+          <a:lstStyle/>
+          <a:p>
+            <a:r>
+              <a:rPr lang="en-US" dirty="0"/>
+              <a:t>Reference link</a:t>
+            </a:r>
+          </a:p>
+        </p:txBody>
+      </p:sp>
+      <p:sp>
+        <p:nvSpPr>
+          <p:cNvPr id="3" name="Content Placeholder 2">
+            <a:extLst>
+              <a:ext uri="{FF2B5EF4-FFF2-40B4-BE49-F238E27FC236}">
+                <a16:creationId xmlns:a16="http://schemas.microsoft.com/office/drawing/2014/main" id="{3E51ACE7-B932-428E-8DE4-3D04FA1F6375}"/>
+              </a:ext>
+            </a:extLst>
+          </p:cNvPr>
+          <p:cNvSpPr>
+            <a:spLocks noGrp="1"/>
+          </p:cNvSpPr>
+          <p:nvPr>
+            <p:ph idx="1"/>
+          </p:nvPr>
+        </p:nvSpPr>
+        <p:spPr/>
+        <p:txBody>
+          <a:bodyPr/>
+          <a:lstStyle/>
+          <a:p>
+            <a:r>
+              <a:rPr lang="en-US" dirty="0"/>
+              <a:t>https://www.youtube.com/watch?v=ERMRVORGvZM</a:t>
+            </a:r>
+          </a:p>
+        </p:txBody>
+      </p:sp>
+    </p:spTree>
+    <p:extLst>
+      <p:ext uri="{BB962C8B-B14F-4D97-AF65-F5344CB8AC3E}">
+        <p14:creationId xmlns:p14="http://schemas.microsoft.com/office/powerpoint/2010/main" val="3143701687"/>
+      </p:ext>
+    </p:extLst>
+  </p:cSld>
+  <p:clrMapOvr>
+    <a:masterClrMapping/>
+  </p:clrMapOvr>
+</p:sld>
+</file>
+
+<file path=ppt/slides/slide12.xml><?xml version="1.0" encoding="utf-8"?>
+<p:sld xmlns:a="http://schemas.openxmlformats.org/drawingml/2006/main" xmlns:r="http://schemas.openxmlformats.org/officeDocument/2006/relationships" xmlns:p="http://schemas.openxmlformats.org/presentationml/2006/main">
+  <p:cSld>
+    <p:spTree>
+      <p:nvGrpSpPr>
+        <p:cNvPr id="1" name=""/>
+        <p:cNvGrpSpPr/>
+        <p:nvPr/>
+      </p:nvGrpSpPr>
+      <p:grpSpPr>
+        <a:xfrm>
+          <a:off x="0" y="0"/>
+          <a:ext cx="0" cy="0"/>
+          <a:chOff x="0" y="0"/>
+          <a:chExt cx="0" cy="0"/>
+        </a:xfrm>
+      </p:grpSpPr>
+      <p:sp>
+        <p:nvSpPr>
+          <p:cNvPr id="2" name="Title 1">
+            <a:extLst>
+              <a:ext uri="{FF2B5EF4-FFF2-40B4-BE49-F238E27FC236}">
+                <a16:creationId xmlns:a16="http://schemas.microsoft.com/office/drawing/2014/main" id="{F308559C-55CC-4858-BACE-09CE005DD2D3}"/>
+              </a:ext>
+            </a:extLst>
+          </p:cNvPr>
+          <p:cNvSpPr>
+            <a:spLocks noGrp="1"/>
+          </p:cNvSpPr>
+          <p:nvPr>
+            <p:ph type="title"/>
+          </p:nvPr>
+        </p:nvSpPr>
+        <p:spPr/>
+        <p:txBody>
+          <a:bodyPr/>
+          <a:lstStyle/>
+          <a:p>
+            <a:r>
+              <a:rPr lang="en-US" dirty="0"/>
+              <a:t>Update views.py</a:t>
+            </a:r>
+          </a:p>
+        </p:txBody>
+      </p:sp>
+      <p:pic>
+        <p:nvPicPr>
+          <p:cNvPr id="5" name="Content Placeholder 4" descr="Graphical user interface, text, application&#10;&#10;Description automatically generated">
+            <a:extLst>
+              <a:ext uri="{FF2B5EF4-FFF2-40B4-BE49-F238E27FC236}">
+                <a16:creationId xmlns:a16="http://schemas.microsoft.com/office/drawing/2014/main" id="{50FD7B52-CEDC-4E17-8F79-525568B1EB64}"/>
+              </a:ext>
+            </a:extLst>
+          </p:cNvPr>
+          <p:cNvPicPr>
+            <a:picLocks noGrp="1" noChangeAspect="1"/>
+          </p:cNvPicPr>
+          <p:nvPr>
+            <p:ph idx="1"/>
+          </p:nvPr>
+        </p:nvPicPr>
+        <p:blipFill>
+          <a:blip r:embed="rId2"/>
+          <a:stretch>
+            <a:fillRect/>
+          </a:stretch>
+        </p:blipFill>
+        <p:spPr>
+          <a:xfrm>
+            <a:off x="722910" y="1585480"/>
+            <a:ext cx="6560809" cy="3975565"/>
+          </a:xfrm>
+        </p:spPr>
+      </p:pic>
+      <p:cxnSp>
+        <p:nvCxnSpPr>
+          <p:cNvPr id="7" name="Straight Arrow Connector 6">
+            <a:extLst>
+              <a:ext uri="{FF2B5EF4-FFF2-40B4-BE49-F238E27FC236}">
+                <a16:creationId xmlns:a16="http://schemas.microsoft.com/office/drawing/2014/main" id="{7F6EE22D-06F5-4826-B632-85DD89E6D549}"/>
+              </a:ext>
+            </a:extLst>
+          </p:cNvPr>
+          <p:cNvCxnSpPr>
+            <a:cxnSpLocks/>
+          </p:cNvCxnSpPr>
+          <p:nvPr/>
+        </p:nvCxnSpPr>
+        <p:spPr>
+          <a:xfrm flipV="1">
+            <a:off x="2715491" y="4036292"/>
+            <a:ext cx="4747491" cy="175490"/>
+          </a:xfrm>
+          <a:prstGeom prst="straightConnector1">
+            <a:avLst/>
+          </a:prstGeom>
+          <a:ln>
+            <a:tailEnd type="triangle"/>
+          </a:ln>
+        </p:spPr>
+        <p:style>
+          <a:lnRef idx="1">
+            <a:schemeClr val="accent1"/>
+          </a:lnRef>
+          <a:fillRef idx="0">
+            <a:schemeClr val="accent1"/>
+          </a:fillRef>
+          <a:effectRef idx="0">
+            <a:schemeClr val="accent1"/>
+          </a:effectRef>
+          <a:fontRef idx="minor">
+            <a:schemeClr val="tx1"/>
+          </a:fontRef>
+        </p:style>
+      </p:cxnSp>
+      <p:cxnSp>
+        <p:nvCxnSpPr>
+          <p:cNvPr id="8" name="Straight Arrow Connector 7">
+            <a:extLst>
+              <a:ext uri="{FF2B5EF4-FFF2-40B4-BE49-F238E27FC236}">
+                <a16:creationId xmlns:a16="http://schemas.microsoft.com/office/drawing/2014/main" id="{F86343A1-E29A-4E22-937A-69B7CEF504CF}"/>
+              </a:ext>
+            </a:extLst>
+          </p:cNvPr>
+          <p:cNvCxnSpPr>
+            <a:cxnSpLocks/>
+          </p:cNvCxnSpPr>
+          <p:nvPr/>
+        </p:nvCxnSpPr>
+        <p:spPr>
+          <a:xfrm>
+            <a:off x="2715491" y="4782382"/>
+            <a:ext cx="4747491" cy="343800"/>
+          </a:xfrm>
+          <a:prstGeom prst="straightConnector1">
+            <a:avLst/>
+          </a:prstGeom>
+          <a:ln>
+            <a:tailEnd type="triangle"/>
+          </a:ln>
+        </p:spPr>
+        <p:style>
+          <a:lnRef idx="1">
+            <a:schemeClr val="accent1"/>
+          </a:lnRef>
+          <a:fillRef idx="0">
+            <a:schemeClr val="accent1"/>
+          </a:fillRef>
+          <a:effectRef idx="0">
+            <a:schemeClr val="accent1"/>
+          </a:effectRef>
+          <a:fontRef idx="minor">
+            <a:schemeClr val="tx1"/>
+          </a:fontRef>
+        </p:style>
+      </p:cxnSp>
+      <p:sp>
+        <p:nvSpPr>
+          <p:cNvPr id="10" name="TextBox 9">
+            <a:extLst>
+              <a:ext uri="{FF2B5EF4-FFF2-40B4-BE49-F238E27FC236}">
+                <a16:creationId xmlns:a16="http://schemas.microsoft.com/office/drawing/2014/main" id="{D365149E-170C-4B7A-BBAF-28ADA917E85D}"/>
+              </a:ext>
+            </a:extLst>
+          </p:cNvPr>
+          <p:cNvSpPr txBox="1"/>
+          <p:nvPr/>
+        </p:nvSpPr>
+        <p:spPr>
+          <a:xfrm>
+            <a:off x="7462982" y="3777673"/>
+            <a:ext cx="3020291" cy="369332"/>
+          </a:xfrm>
+          <a:prstGeom prst="rect">
+            <a:avLst/>
+          </a:prstGeom>
+          <a:noFill/>
+        </p:spPr>
+        <p:txBody>
+          <a:bodyPr wrap="square" rtlCol="0">
+            <a:spAutoFit/>
+          </a:bodyPr>
+          <a:lstStyle/>
+          <a:p>
+            <a:r>
+              <a:rPr lang="en-US" dirty="0"/>
+              <a:t>When not clicking button</a:t>
+            </a:r>
+          </a:p>
+        </p:txBody>
+      </p:sp>
+      <p:sp>
+        <p:nvSpPr>
+          <p:cNvPr id="11" name="TextBox 10">
+            <a:extLst>
+              <a:ext uri="{FF2B5EF4-FFF2-40B4-BE49-F238E27FC236}">
+                <a16:creationId xmlns:a16="http://schemas.microsoft.com/office/drawing/2014/main" id="{23242FE8-FCA4-435D-8B30-35294B8F9AB3}"/>
+              </a:ext>
+            </a:extLst>
+          </p:cNvPr>
+          <p:cNvSpPr txBox="1"/>
+          <p:nvPr/>
+        </p:nvSpPr>
+        <p:spPr>
+          <a:xfrm>
+            <a:off x="7578436" y="4902262"/>
+            <a:ext cx="3020291" cy="1200329"/>
+          </a:xfrm>
+          <a:prstGeom prst="rect">
+            <a:avLst/>
+          </a:prstGeom>
+          <a:noFill/>
+        </p:spPr>
+        <p:txBody>
+          <a:bodyPr wrap="square" rtlCol="0">
+            <a:spAutoFit/>
+          </a:bodyPr>
+          <a:lstStyle/>
+          <a:p>
+            <a:r>
+              <a:rPr lang="en-US" dirty="0"/>
+              <a:t>When clicking button, python script will be executed and pass the result “data” to home.html </a:t>
+            </a:r>
+          </a:p>
+        </p:txBody>
+      </p:sp>
+    </p:spTree>
+    <p:extLst>
+      <p:ext uri="{BB962C8B-B14F-4D97-AF65-F5344CB8AC3E}">
+        <p14:creationId xmlns:p14="http://schemas.microsoft.com/office/powerpoint/2010/main" val="583767799"/>
+      </p:ext>
+    </p:extLst>
+  </p:cSld>
+  <p:clrMapOvr>
+    <a:masterClrMapping/>
+  </p:clrMapOvr>
+</p:sld>
+</file>
+
+<file path=ppt/slides/slide13.xml><?xml version="1.0" encoding="utf-8"?>
+<p:sld xmlns:a="http://schemas.openxmlformats.org/drawingml/2006/main" xmlns:r="http://schemas.openxmlformats.org/officeDocument/2006/relationships" xmlns:p="http://schemas.openxmlformats.org/presentationml/2006/main">
+  <p:cSld>
+    <p:spTree>
+      <p:nvGrpSpPr>
+        <p:cNvPr id="1" name=""/>
+        <p:cNvGrpSpPr/>
+        <p:nvPr/>
+      </p:nvGrpSpPr>
+      <p:grpSpPr>
+        <a:xfrm>
+          <a:off x="0" y="0"/>
+          <a:ext cx="0" cy="0"/>
+          <a:chOff x="0" y="0"/>
+          <a:chExt cx="0" cy="0"/>
+        </a:xfrm>
+      </p:grpSpPr>
+      <p:sp>
+        <p:nvSpPr>
+          <p:cNvPr id="2" name="Title 1">
+            <a:extLst>
+              <a:ext uri="{FF2B5EF4-FFF2-40B4-BE49-F238E27FC236}">
+                <a16:creationId xmlns:a16="http://schemas.microsoft.com/office/drawing/2014/main" id="{32629F59-B994-4482-ADEF-397CA66FFEB9}"/>
+              </a:ext>
+            </a:extLst>
+          </p:cNvPr>
+          <p:cNvSpPr>
+            <a:spLocks noGrp="1"/>
+          </p:cNvSpPr>
+          <p:nvPr>
+            <p:ph type="title"/>
+          </p:nvPr>
+        </p:nvSpPr>
+        <p:spPr/>
+        <p:txBody>
+          <a:bodyPr/>
+          <a:lstStyle/>
+          <a:p>
+            <a:r>
+              <a:rPr lang="en-US" dirty="0"/>
+              <a:t>Urls.py</a:t>
+            </a:r>
+          </a:p>
+        </p:txBody>
+      </p:sp>
+      <p:pic>
+        <p:nvPicPr>
+          <p:cNvPr id="9" name="Content Placeholder 8" descr="Graphical user interface, text, application, email&#10;&#10;Description automatically generated">
+            <a:extLst>
+              <a:ext uri="{FF2B5EF4-FFF2-40B4-BE49-F238E27FC236}">
+                <a16:creationId xmlns:a16="http://schemas.microsoft.com/office/drawing/2014/main" id="{96D084E9-83E1-4051-B3AE-D6EC2A14ADF8}"/>
+              </a:ext>
+            </a:extLst>
+          </p:cNvPr>
+          <p:cNvPicPr>
+            <a:picLocks noGrp="1" noChangeAspect="1"/>
+          </p:cNvPicPr>
+          <p:nvPr>
+            <p:ph idx="1"/>
+          </p:nvPr>
+        </p:nvPicPr>
+        <p:blipFill>
+          <a:blip r:embed="rId2"/>
+          <a:stretch>
+            <a:fillRect/>
+          </a:stretch>
+        </p:blipFill>
+        <p:spPr>
+          <a:xfrm>
+            <a:off x="1926760" y="2014236"/>
+            <a:ext cx="8115300" cy="4162425"/>
+          </a:xfrm>
+        </p:spPr>
+      </p:pic>
+    </p:spTree>
+    <p:extLst>
+      <p:ext uri="{BB962C8B-B14F-4D97-AF65-F5344CB8AC3E}">
+        <p14:creationId xmlns:p14="http://schemas.microsoft.com/office/powerpoint/2010/main" val="2788212028"/>
+      </p:ext>
+    </p:extLst>
+  </p:cSld>
+  <p:clrMapOvr>
+    <a:masterClrMapping/>
+  </p:clrMapOvr>
+</p:sld>
+</file>
+
+<file path=ppt/slides/slide14.xml><?xml version="1.0" encoding="utf-8"?>
+<p:sld xmlns:a="http://schemas.openxmlformats.org/drawingml/2006/main" xmlns:r="http://schemas.openxmlformats.org/officeDocument/2006/relationships" xmlns:p="http://schemas.openxmlformats.org/presentationml/2006/main">
+  <p:cSld>
+    <p:spTree>
+      <p:nvGrpSpPr>
+        <p:cNvPr id="1" name=""/>
+        <p:cNvGrpSpPr/>
+        <p:nvPr/>
+      </p:nvGrpSpPr>
+      <p:grpSpPr>
+        <a:xfrm>
+          <a:off x="0" y="0"/>
+          <a:ext cx="0" cy="0"/>
+          <a:chOff x="0" y="0"/>
+          <a:chExt cx="0" cy="0"/>
+        </a:xfrm>
+      </p:grpSpPr>
+      <p:sp>
+        <p:nvSpPr>
+          <p:cNvPr id="2" name="Title 1">
+            <a:extLst>
+              <a:ext uri="{FF2B5EF4-FFF2-40B4-BE49-F238E27FC236}">
+                <a16:creationId xmlns:a16="http://schemas.microsoft.com/office/drawing/2014/main" id="{29872F7F-3F37-4F07-8428-844B8331565B}"/>
+              </a:ext>
+            </a:extLst>
+          </p:cNvPr>
+          <p:cNvSpPr>
+            <a:spLocks noGrp="1"/>
+          </p:cNvSpPr>
+          <p:nvPr>
+            <p:ph type="title"/>
+          </p:nvPr>
+        </p:nvSpPr>
+        <p:spPr/>
+        <p:txBody>
+          <a:bodyPr/>
+          <a:lstStyle/>
+          <a:p>
+            <a:r>
+              <a:rPr lang="en-US" dirty="0"/>
+              <a:t>Create/edit html file</a:t>
+            </a:r>
+          </a:p>
+        </p:txBody>
+      </p:sp>
+      <p:pic>
+        <p:nvPicPr>
+          <p:cNvPr id="5" name="Content Placeholder 4" descr="Graphical user interface, text, application, email&#10;&#10;Description automatically generated">
+            <a:extLst>
+              <a:ext uri="{FF2B5EF4-FFF2-40B4-BE49-F238E27FC236}">
+                <a16:creationId xmlns:a16="http://schemas.microsoft.com/office/drawing/2014/main" id="{9CB8D739-58A2-47EF-A401-67F85807DEFD}"/>
+              </a:ext>
+            </a:extLst>
+          </p:cNvPr>
+          <p:cNvPicPr>
+            <a:picLocks noGrp="1" noChangeAspect="1"/>
+          </p:cNvPicPr>
+          <p:nvPr>
+            <p:ph idx="1"/>
+          </p:nvPr>
+        </p:nvPicPr>
+        <p:blipFill>
+          <a:blip r:embed="rId2"/>
+          <a:stretch>
+            <a:fillRect/>
+          </a:stretch>
+        </p:blipFill>
+        <p:spPr>
+          <a:xfrm>
+            <a:off x="2977573" y="2060719"/>
+            <a:ext cx="8872682" cy="3628927"/>
+          </a:xfrm>
+        </p:spPr>
+      </p:pic>
+      <p:cxnSp>
+        <p:nvCxnSpPr>
+          <p:cNvPr id="7" name="Straight Arrow Connector 6">
+            <a:extLst>
+              <a:ext uri="{FF2B5EF4-FFF2-40B4-BE49-F238E27FC236}">
+                <a16:creationId xmlns:a16="http://schemas.microsoft.com/office/drawing/2014/main" id="{55C999F4-12EF-4DE2-A269-E665E1746080}"/>
+              </a:ext>
+            </a:extLst>
+          </p:cNvPr>
+          <p:cNvCxnSpPr>
+            <a:cxnSpLocks/>
+          </p:cNvCxnSpPr>
+          <p:nvPr/>
+        </p:nvCxnSpPr>
+        <p:spPr>
+          <a:xfrm flipV="1">
+            <a:off x="3075709" y="3897169"/>
+            <a:ext cx="1662546" cy="527049"/>
+          </a:xfrm>
+          <a:prstGeom prst="straightConnector1">
+            <a:avLst/>
+          </a:prstGeom>
+          <a:ln>
+            <a:tailEnd type="triangle"/>
+          </a:ln>
+        </p:spPr>
+        <p:style>
+          <a:lnRef idx="1">
+            <a:schemeClr val="accent1"/>
+          </a:lnRef>
+          <a:fillRef idx="0">
+            <a:schemeClr val="accent1"/>
+          </a:fillRef>
+          <a:effectRef idx="0">
+            <a:schemeClr val="accent1"/>
+          </a:effectRef>
+          <a:fontRef idx="minor">
+            <a:schemeClr val="tx1"/>
+          </a:fontRef>
+        </p:style>
+      </p:cxnSp>
+      <p:sp>
+        <p:nvSpPr>
+          <p:cNvPr id="8" name="TextBox 7">
+            <a:extLst>
+              <a:ext uri="{FF2B5EF4-FFF2-40B4-BE49-F238E27FC236}">
+                <a16:creationId xmlns:a16="http://schemas.microsoft.com/office/drawing/2014/main" id="{6FD6D75F-157B-47BB-8A85-C301F93683CE}"/>
+              </a:ext>
+            </a:extLst>
+          </p:cNvPr>
+          <p:cNvSpPr txBox="1"/>
+          <p:nvPr/>
+        </p:nvSpPr>
+        <p:spPr>
+          <a:xfrm>
+            <a:off x="489527" y="4267199"/>
+            <a:ext cx="2715490" cy="646331"/>
+          </a:xfrm>
+          <a:prstGeom prst="rect">
+            <a:avLst/>
+          </a:prstGeom>
+          <a:noFill/>
+        </p:spPr>
+        <p:txBody>
+          <a:bodyPr wrap="square" rtlCol="0">
+            <a:spAutoFit/>
+          </a:bodyPr>
+          <a:lstStyle/>
+          <a:p>
+            <a:r>
+              <a:rPr lang="en-US" dirty="0"/>
+              <a:t>Receive data generated in views.py</a:t>
+            </a:r>
+          </a:p>
+        </p:txBody>
+      </p:sp>
+    </p:spTree>
+    <p:extLst>
+      <p:ext uri="{BB962C8B-B14F-4D97-AF65-F5344CB8AC3E}">
+        <p14:creationId xmlns:p14="http://schemas.microsoft.com/office/powerpoint/2010/main" val="3375165200"/>
+      </p:ext>
+    </p:extLst>
+  </p:cSld>
+  <p:clrMapOvr>
+    <a:masterClrMapping/>
+  </p:clrMapOvr>
+</p:sld>
+</file>
+
+<file path=ppt/slides/slide15.xml><?xml version="1.0" encoding="utf-8"?>
+<p:sld xmlns:a="http://schemas.openxmlformats.org/drawingml/2006/main" xmlns:r="http://schemas.openxmlformats.org/officeDocument/2006/relationships" xmlns:p="http://schemas.openxmlformats.org/presentationml/2006/main">
+  <p:cSld>
+    <p:spTree>
+      <p:nvGrpSpPr>
+        <p:cNvPr id="1" name=""/>
+        <p:cNvGrpSpPr/>
+        <p:nvPr/>
+      </p:nvGrpSpPr>
+      <p:grpSpPr>
+        <a:xfrm>
+          <a:off x="0" y="0"/>
+          <a:ext cx="0" cy="0"/>
+          <a:chOff x="0" y="0"/>
+          <a:chExt cx="0" cy="0"/>
+        </a:xfrm>
+      </p:grpSpPr>
+      <p:sp>
+        <p:nvSpPr>
+          <p:cNvPr id="2" name="Title 1">
+            <a:extLst>
+              <a:ext uri="{FF2B5EF4-FFF2-40B4-BE49-F238E27FC236}">
+                <a16:creationId xmlns:a16="http://schemas.microsoft.com/office/drawing/2014/main" id="{CAF149BF-190E-4E46-BDCB-A1CD9EA80C92}"/>
+              </a:ext>
+            </a:extLst>
+          </p:cNvPr>
+          <p:cNvSpPr>
+            <a:spLocks noGrp="1"/>
+          </p:cNvSpPr>
+          <p:nvPr>
+            <p:ph type="title"/>
+          </p:nvPr>
+        </p:nvSpPr>
+        <p:spPr/>
+        <p:txBody>
+          <a:bodyPr/>
+          <a:lstStyle/>
+          <a:p>
+            <a:r>
+              <a:rPr lang="en-US" dirty="0"/>
+              <a:t>output</a:t>
+            </a:r>
+          </a:p>
+        </p:txBody>
+      </p:sp>
+      <p:pic>
+        <p:nvPicPr>
+          <p:cNvPr id="5" name="Content Placeholder 4" descr="A screenshot of a computer&#10;&#10;Description automatically generated">
+            <a:extLst>
+              <a:ext uri="{FF2B5EF4-FFF2-40B4-BE49-F238E27FC236}">
+                <a16:creationId xmlns:a16="http://schemas.microsoft.com/office/drawing/2014/main" id="{3808950F-7720-4770-A4B8-C370F4214A40}"/>
+              </a:ext>
+            </a:extLst>
+          </p:cNvPr>
+          <p:cNvPicPr>
+            <a:picLocks noGrp="1" noChangeAspect="1"/>
+          </p:cNvPicPr>
+          <p:nvPr>
+            <p:ph idx="1"/>
+          </p:nvPr>
+        </p:nvPicPr>
+        <p:blipFill>
+          <a:blip r:embed="rId2"/>
+          <a:stretch>
+            <a:fillRect/>
+          </a:stretch>
+        </p:blipFill>
+        <p:spPr>
+          <a:xfrm>
+            <a:off x="1104491" y="1729943"/>
+            <a:ext cx="8265055" cy="4351338"/>
+          </a:xfrm>
+        </p:spPr>
+      </p:pic>
+    </p:spTree>
+    <p:extLst>
+      <p:ext uri="{BB962C8B-B14F-4D97-AF65-F5344CB8AC3E}">
+        <p14:creationId xmlns:p14="http://schemas.microsoft.com/office/powerpoint/2010/main" val="968959357"/>
+      </p:ext>
+    </p:extLst>
+  </p:cSld>
+  <p:clrMapOvr>
+    <a:masterClrMapping/>
+  </p:clrMapOvr>
+</p:sld>
+</file>
+
+<file path=ppt/slides/slide16.xml><?xml version="1.0" encoding="utf-8"?>
+<p:sld xmlns:a="http://schemas.openxmlformats.org/drawingml/2006/main" xmlns:r="http://schemas.openxmlformats.org/officeDocument/2006/relationships" xmlns:p="http://schemas.openxmlformats.org/presentationml/2006/main">
+  <p:cSld>
+    <p:spTree>
+      <p:nvGrpSpPr>
+        <p:cNvPr id="1" name=""/>
+        <p:cNvGrpSpPr/>
+        <p:nvPr/>
+      </p:nvGrpSpPr>
+      <p:grpSpPr>
+        <a:xfrm>
+          <a:off x="0" y="0"/>
+          <a:ext cx="0" cy="0"/>
+          <a:chOff x="0" y="0"/>
+          <a:chExt cx="0" cy="0"/>
+        </a:xfrm>
+      </p:grpSpPr>
+      <p:sp>
+        <p:nvSpPr>
+          <p:cNvPr id="2" name="Title 1">
+            <a:extLst>
+              <a:ext uri="{FF2B5EF4-FFF2-40B4-BE49-F238E27FC236}">
+                <a16:creationId xmlns:a16="http://schemas.microsoft.com/office/drawing/2014/main" id="{0526F866-1091-4CFB-969A-66B38378C7FD}"/>
+              </a:ext>
+            </a:extLst>
+          </p:cNvPr>
+          <p:cNvSpPr>
+            <a:spLocks noGrp="1"/>
+          </p:cNvSpPr>
+          <p:nvPr>
+            <p:ph type="title"/>
+          </p:nvPr>
+        </p:nvSpPr>
+        <p:spPr/>
+        <p:txBody>
+          <a:bodyPr/>
+          <a:lstStyle/>
+          <a:p>
+            <a:r>
+              <a:rPr lang="en-US" dirty="0"/>
+              <a:t>Update html </a:t>
+            </a:r>
+          </a:p>
+        </p:txBody>
+      </p:sp>
+      <p:sp>
+        <p:nvSpPr>
+          <p:cNvPr id="8" name="TextBox 7">
+            <a:extLst>
+              <a:ext uri="{FF2B5EF4-FFF2-40B4-BE49-F238E27FC236}">
+                <a16:creationId xmlns:a16="http://schemas.microsoft.com/office/drawing/2014/main" id="{D768824C-E06C-4333-802B-8392C9BBC069}"/>
+              </a:ext>
+            </a:extLst>
+          </p:cNvPr>
+          <p:cNvSpPr txBox="1"/>
+          <p:nvPr/>
+        </p:nvSpPr>
+        <p:spPr>
+          <a:xfrm>
+            <a:off x="9522691" y="3754798"/>
+            <a:ext cx="1690254" cy="369332"/>
+          </a:xfrm>
+          <a:prstGeom prst="rect">
+            <a:avLst/>
+          </a:prstGeom>
+          <a:noFill/>
+        </p:spPr>
+        <p:txBody>
+          <a:bodyPr wrap="square" rtlCol="0">
+            <a:spAutoFit/>
+          </a:bodyPr>
+          <a:lstStyle/>
+          <a:p>
+            <a:r>
+              <a:rPr lang="en-US" dirty="0"/>
+              <a:t>form</a:t>
+            </a:r>
+          </a:p>
+        </p:txBody>
+      </p:sp>
+      <p:pic>
+        <p:nvPicPr>
+          <p:cNvPr id="18" name="Content Placeholder 17" descr="Graphical user interface, text, application, email&#10;&#10;Description automatically generated">
+            <a:extLst>
+              <a:ext uri="{FF2B5EF4-FFF2-40B4-BE49-F238E27FC236}">
+                <a16:creationId xmlns:a16="http://schemas.microsoft.com/office/drawing/2014/main" id="{885BA63E-F9C4-4FD5-8A98-BB18CC500622}"/>
+              </a:ext>
+            </a:extLst>
+          </p:cNvPr>
+          <p:cNvPicPr>
+            <a:picLocks noGrp="1" noChangeAspect="1"/>
+          </p:cNvPicPr>
+          <p:nvPr>
+            <p:ph idx="1"/>
+          </p:nvPr>
+        </p:nvPicPr>
+        <p:blipFill>
+          <a:blip r:embed="rId2"/>
+          <a:stretch>
+            <a:fillRect/>
+          </a:stretch>
+        </p:blipFill>
+        <p:spPr>
+          <a:xfrm>
+            <a:off x="548077" y="1690688"/>
+            <a:ext cx="7950647" cy="4128221"/>
+          </a:xfrm>
+        </p:spPr>
+      </p:pic>
+      <p:cxnSp>
+        <p:nvCxnSpPr>
+          <p:cNvPr id="20" name="Straight Arrow Connector 19">
+            <a:extLst>
+              <a:ext uri="{FF2B5EF4-FFF2-40B4-BE49-F238E27FC236}">
+                <a16:creationId xmlns:a16="http://schemas.microsoft.com/office/drawing/2014/main" id="{3E4D677C-0A44-44A2-903F-48397187EE8D}"/>
+              </a:ext>
+            </a:extLst>
+          </p:cNvPr>
+          <p:cNvCxnSpPr/>
+          <p:nvPr/>
+        </p:nvCxnSpPr>
+        <p:spPr>
+          <a:xfrm flipV="1">
+            <a:off x="5948218" y="3943927"/>
+            <a:ext cx="3491346" cy="387928"/>
+          </a:xfrm>
+          <a:prstGeom prst="straightConnector1">
+            <a:avLst/>
+          </a:prstGeom>
+          <a:ln>
+            <a:tailEnd type="triangle"/>
+          </a:ln>
+        </p:spPr>
+        <p:style>
+          <a:lnRef idx="1">
+            <a:schemeClr val="accent1"/>
+          </a:lnRef>
+          <a:fillRef idx="0">
+            <a:schemeClr val="accent1"/>
+          </a:fillRef>
+          <a:effectRef idx="0">
+            <a:schemeClr val="accent1"/>
+          </a:effectRef>
+          <a:fontRef idx="minor">
+            <a:schemeClr val="tx1"/>
+          </a:fontRef>
+        </p:style>
+      </p:cxnSp>
+    </p:spTree>
+    <p:extLst>
+      <p:ext uri="{BB962C8B-B14F-4D97-AF65-F5344CB8AC3E}">
+        <p14:creationId xmlns:p14="http://schemas.microsoft.com/office/powerpoint/2010/main" val="150185842"/>
+      </p:ext>
+    </p:extLst>
+  </p:cSld>
+  <p:clrMapOvr>
+    <a:masterClrMapping/>
+  </p:clrMapOvr>
+</p:sld>
+</file>
+
+<file path=ppt/slides/slide17.xml><?xml version="1.0" encoding="utf-8"?>
+<p:sld xmlns:a="http://schemas.openxmlformats.org/drawingml/2006/main" xmlns:r="http://schemas.openxmlformats.org/officeDocument/2006/relationships" xmlns:p="http://schemas.openxmlformats.org/presentationml/2006/main">
+  <p:cSld>
+    <p:spTree>
+      <p:nvGrpSpPr>
+        <p:cNvPr id="1" name=""/>
+        <p:cNvGrpSpPr/>
+        <p:nvPr/>
+      </p:nvGrpSpPr>
+      <p:grpSpPr>
+        <a:xfrm>
+          <a:off x="0" y="0"/>
+          <a:ext cx="0" cy="0"/>
+          <a:chOff x="0" y="0"/>
+          <a:chExt cx="0" cy="0"/>
+        </a:xfrm>
+      </p:grpSpPr>
+      <p:sp>
+        <p:nvSpPr>
+          <p:cNvPr id="2" name="Title 1">
+            <a:extLst>
+              <a:ext uri="{FF2B5EF4-FFF2-40B4-BE49-F238E27FC236}">
+                <a16:creationId xmlns:a16="http://schemas.microsoft.com/office/drawing/2014/main" id="{9BA64986-231E-4363-B4F6-792A6E080D09}"/>
+              </a:ext>
+            </a:extLst>
+          </p:cNvPr>
+          <p:cNvSpPr>
+            <a:spLocks noGrp="1"/>
+          </p:cNvSpPr>
+          <p:nvPr>
+            <p:ph type="title"/>
+          </p:nvPr>
+        </p:nvSpPr>
+        <p:spPr/>
+        <p:txBody>
+          <a:bodyPr/>
+          <a:lstStyle/>
+          <a:p>
+            <a:r>
+              <a:rPr lang="en-US" dirty="0"/>
+              <a:t>Update urls.py</a:t>
+            </a:r>
+          </a:p>
+        </p:txBody>
+      </p:sp>
+      <p:pic>
+        <p:nvPicPr>
+          <p:cNvPr id="5" name="Content Placeholder 4" descr="Graphical user interface, text, application&#10;&#10;Description automatically generated">
+            <a:extLst>
+              <a:ext uri="{FF2B5EF4-FFF2-40B4-BE49-F238E27FC236}">
+                <a16:creationId xmlns:a16="http://schemas.microsoft.com/office/drawing/2014/main" id="{97C79C38-301C-4816-AE1E-33D501F2F03C}"/>
+              </a:ext>
+            </a:extLst>
+          </p:cNvPr>
+          <p:cNvPicPr>
+            <a:picLocks noGrp="1" noChangeAspect="1"/>
+          </p:cNvPicPr>
+          <p:nvPr>
+            <p:ph idx="1"/>
+          </p:nvPr>
+        </p:nvPicPr>
+        <p:blipFill>
+          <a:blip r:embed="rId2"/>
+          <a:stretch>
+            <a:fillRect/>
+          </a:stretch>
+        </p:blipFill>
+        <p:spPr>
+          <a:xfrm>
+            <a:off x="1009067" y="1997253"/>
+            <a:ext cx="7486650" cy="3914775"/>
+          </a:xfrm>
+        </p:spPr>
+      </p:pic>
+    </p:spTree>
+    <p:extLst>
+      <p:ext uri="{BB962C8B-B14F-4D97-AF65-F5344CB8AC3E}">
+        <p14:creationId xmlns:p14="http://schemas.microsoft.com/office/powerpoint/2010/main" val="3246273193"/>
+      </p:ext>
+    </p:extLst>
+  </p:cSld>
+  <p:clrMapOvr>
+    <a:masterClrMapping/>
+  </p:clrMapOvr>
+</p:sld>
+</file>
+
+<file path=ppt/slides/slide18.xml><?xml version="1.0" encoding="utf-8"?>
+<p:sld xmlns:a="http://schemas.openxmlformats.org/drawingml/2006/main" xmlns:r="http://schemas.openxmlformats.org/officeDocument/2006/relationships" xmlns:p="http://schemas.openxmlformats.org/presentationml/2006/main">
+  <p:cSld>
+    <p:spTree>
+      <p:nvGrpSpPr>
+        <p:cNvPr id="1" name=""/>
+        <p:cNvGrpSpPr/>
+        <p:nvPr/>
+      </p:nvGrpSpPr>
+      <p:grpSpPr>
+        <a:xfrm>
+          <a:off x="0" y="0"/>
+          <a:ext cx="0" cy="0"/>
+          <a:chOff x="0" y="0"/>
+          <a:chExt cx="0" cy="0"/>
+        </a:xfrm>
+      </p:grpSpPr>
+      <p:sp>
+        <p:nvSpPr>
+          <p:cNvPr id="2" name="Title 1">
+            <a:extLst>
+              <a:ext uri="{FF2B5EF4-FFF2-40B4-BE49-F238E27FC236}">
+                <a16:creationId xmlns:a16="http://schemas.microsoft.com/office/drawing/2014/main" id="{E9A0CD56-9438-4215-9E9E-3EE3D5DB338C}"/>
+              </a:ext>
+            </a:extLst>
+          </p:cNvPr>
+          <p:cNvSpPr>
+            <a:spLocks noGrp="1"/>
+          </p:cNvSpPr>
+          <p:nvPr>
+            <p:ph type="title"/>
+          </p:nvPr>
+        </p:nvSpPr>
+        <p:spPr/>
+        <p:txBody>
+          <a:bodyPr/>
+          <a:lstStyle/>
+          <a:p>
+            <a:r>
+              <a:rPr lang="en-US" dirty="0"/>
+              <a:t>Update views.py</a:t>
+            </a:r>
+          </a:p>
+        </p:txBody>
+      </p:sp>
+      <p:sp>
+        <p:nvSpPr>
+          <p:cNvPr id="8" name="TextBox 7">
+            <a:extLst>
+              <a:ext uri="{FF2B5EF4-FFF2-40B4-BE49-F238E27FC236}">
+                <a16:creationId xmlns:a16="http://schemas.microsoft.com/office/drawing/2014/main" id="{7ED40628-34A0-422A-980B-BF2CBC6C96C4}"/>
+              </a:ext>
+            </a:extLst>
+          </p:cNvPr>
+          <p:cNvSpPr txBox="1"/>
+          <p:nvPr/>
+        </p:nvSpPr>
+        <p:spPr>
+          <a:xfrm>
+            <a:off x="6567055" y="4507345"/>
+            <a:ext cx="2613890" cy="369332"/>
+          </a:xfrm>
+          <a:prstGeom prst="rect">
+            <a:avLst/>
+          </a:prstGeom>
+          <a:noFill/>
+        </p:spPr>
+        <p:txBody>
+          <a:bodyPr wrap="square" rtlCol="0">
+            <a:spAutoFit/>
+          </a:bodyPr>
+          <a:lstStyle/>
+          <a:p>
+            <a:r>
+              <a:rPr lang="en-US" dirty="0"/>
+              <a:t>Get the form input</a:t>
+            </a:r>
+          </a:p>
+        </p:txBody>
+      </p:sp>
+      <p:sp>
+        <p:nvSpPr>
+          <p:cNvPr id="9" name="TextBox 8">
+            <a:extLst>
+              <a:ext uri="{FF2B5EF4-FFF2-40B4-BE49-F238E27FC236}">
+                <a16:creationId xmlns:a16="http://schemas.microsoft.com/office/drawing/2014/main" id="{F25832B0-7C47-4564-A89C-85C68A4A489F}"/>
+              </a:ext>
+            </a:extLst>
+          </p:cNvPr>
+          <p:cNvSpPr txBox="1"/>
+          <p:nvPr/>
+        </p:nvSpPr>
+        <p:spPr>
+          <a:xfrm>
+            <a:off x="6673274" y="5324763"/>
+            <a:ext cx="2613890" cy="369332"/>
+          </a:xfrm>
+          <a:prstGeom prst="rect">
+            <a:avLst/>
+          </a:prstGeom>
+          <a:noFill/>
+        </p:spPr>
+        <p:txBody>
+          <a:bodyPr wrap="square" rtlCol="0">
+            <a:spAutoFit/>
+          </a:bodyPr>
+          <a:lstStyle/>
+          <a:p>
+            <a:r>
+              <a:rPr lang="en-US" dirty="0"/>
+              <a:t>Pass it to test.py script</a:t>
+            </a:r>
+          </a:p>
+        </p:txBody>
+      </p:sp>
+      <p:pic>
+        <p:nvPicPr>
+          <p:cNvPr id="19" name="Content Placeholder 18" descr="Graphical user interface, text, application&#10;&#10;Description automatically generated">
+            <a:extLst>
+              <a:ext uri="{FF2B5EF4-FFF2-40B4-BE49-F238E27FC236}">
+                <a16:creationId xmlns:a16="http://schemas.microsoft.com/office/drawing/2014/main" id="{AB1D2005-FBA6-4B2F-8975-8E293A59700C}"/>
+              </a:ext>
+            </a:extLst>
+          </p:cNvPr>
+          <p:cNvPicPr>
+            <a:picLocks noGrp="1" noChangeAspect="1"/>
+          </p:cNvPicPr>
+          <p:nvPr>
+            <p:ph idx="1"/>
+          </p:nvPr>
+        </p:nvPicPr>
+        <p:blipFill>
+          <a:blip r:embed="rId2"/>
+          <a:stretch>
+            <a:fillRect/>
+          </a:stretch>
+        </p:blipFill>
+        <p:spPr>
+          <a:xfrm>
+            <a:off x="259027" y="1718520"/>
+            <a:ext cx="6012736" cy="4105563"/>
+          </a:xfrm>
+        </p:spPr>
+      </p:pic>
+      <p:cxnSp>
+        <p:nvCxnSpPr>
+          <p:cNvPr id="21" name="Straight Arrow Connector 20">
+            <a:extLst>
+              <a:ext uri="{FF2B5EF4-FFF2-40B4-BE49-F238E27FC236}">
+                <a16:creationId xmlns:a16="http://schemas.microsoft.com/office/drawing/2014/main" id="{051B1F49-DAB5-489E-9882-1A8A1B4819F9}"/>
+              </a:ext>
+            </a:extLst>
+          </p:cNvPr>
+          <p:cNvCxnSpPr>
+            <a:endCxn id="8" idx="1"/>
+          </p:cNvCxnSpPr>
+          <p:nvPr/>
+        </p:nvCxnSpPr>
+        <p:spPr>
+          <a:xfrm flipV="1">
+            <a:off x="2429164" y="4692011"/>
+            <a:ext cx="4137891" cy="314098"/>
+          </a:xfrm>
+          <a:prstGeom prst="straightConnector1">
+            <a:avLst/>
+          </a:prstGeom>
+          <a:ln>
+            <a:tailEnd type="triangle"/>
+          </a:ln>
+        </p:spPr>
+        <p:style>
+          <a:lnRef idx="1">
+            <a:schemeClr val="accent1"/>
+          </a:lnRef>
+          <a:fillRef idx="0">
+            <a:schemeClr val="accent1"/>
+          </a:fillRef>
+          <a:effectRef idx="0">
+            <a:schemeClr val="accent1"/>
+          </a:effectRef>
+          <a:fontRef idx="minor">
+            <a:schemeClr val="tx1"/>
+          </a:fontRef>
+        </p:style>
+      </p:cxnSp>
+      <p:cxnSp>
+        <p:nvCxnSpPr>
+          <p:cNvPr id="23" name="Straight Arrow Connector 22">
+            <a:extLst>
+              <a:ext uri="{FF2B5EF4-FFF2-40B4-BE49-F238E27FC236}">
+                <a16:creationId xmlns:a16="http://schemas.microsoft.com/office/drawing/2014/main" id="{00F863DF-8507-4523-8F45-49DEBCFA8635}"/>
+              </a:ext>
+            </a:extLst>
+          </p:cNvPr>
+          <p:cNvCxnSpPr>
+            <a:endCxn id="9" idx="1"/>
+          </p:cNvCxnSpPr>
+          <p:nvPr/>
+        </p:nvCxnSpPr>
+        <p:spPr>
+          <a:xfrm>
+            <a:off x="2706255" y="5153891"/>
+            <a:ext cx="3967019" cy="355538"/>
+          </a:xfrm>
+          <a:prstGeom prst="straightConnector1">
+            <a:avLst/>
+          </a:prstGeom>
+          <a:ln>
+            <a:tailEnd type="triangle"/>
+          </a:ln>
+        </p:spPr>
+        <p:style>
+          <a:lnRef idx="1">
+            <a:schemeClr val="accent1"/>
+          </a:lnRef>
+          <a:fillRef idx="0">
+            <a:schemeClr val="accent1"/>
+          </a:fillRef>
+          <a:effectRef idx="0">
+            <a:schemeClr val="accent1"/>
+          </a:effectRef>
+          <a:fontRef idx="minor">
+            <a:schemeClr val="tx1"/>
+          </a:fontRef>
+        </p:style>
+      </p:cxnSp>
+    </p:spTree>
+    <p:extLst>
+      <p:ext uri="{BB962C8B-B14F-4D97-AF65-F5344CB8AC3E}">
+        <p14:creationId xmlns:p14="http://schemas.microsoft.com/office/powerpoint/2010/main" val="3628682069"/>
+      </p:ext>
+    </p:extLst>
+  </p:cSld>
+  <p:clrMapOvr>
+    <a:masterClrMapping/>
+  </p:clrMapOvr>
+</p:sld>
+</file>
+
+<file path=ppt/slides/slide19.xml><?xml version="1.0" encoding="utf-8"?>
+<p:sld xmlns:a="http://schemas.openxmlformats.org/drawingml/2006/main" xmlns:r="http://schemas.openxmlformats.org/officeDocument/2006/relationships" xmlns:p="http://schemas.openxmlformats.org/presentationml/2006/main">
+  <p:cSld>
+    <p:spTree>
+      <p:nvGrpSpPr>
+        <p:cNvPr id="1" name=""/>
+        <p:cNvGrpSpPr/>
+        <p:nvPr/>
+      </p:nvGrpSpPr>
+      <p:grpSpPr>
+        <a:xfrm>
+          <a:off x="0" y="0"/>
+          <a:ext cx="0" cy="0"/>
+          <a:chOff x="0" y="0"/>
+          <a:chExt cx="0" cy="0"/>
+        </a:xfrm>
+      </p:grpSpPr>
+      <p:sp>
+        <p:nvSpPr>
+          <p:cNvPr id="2" name="Title 1">
+            <a:extLst>
+              <a:ext uri="{FF2B5EF4-FFF2-40B4-BE49-F238E27FC236}">
+                <a16:creationId xmlns:a16="http://schemas.microsoft.com/office/drawing/2014/main" id="{A43467A9-22AB-412E-B30B-1837E11CFB49}"/>
+              </a:ext>
+            </a:extLst>
+          </p:cNvPr>
+          <p:cNvSpPr>
+            <a:spLocks noGrp="1"/>
+          </p:cNvSpPr>
+          <p:nvPr>
+            <p:ph type="title"/>
+          </p:nvPr>
+        </p:nvSpPr>
+        <p:spPr/>
+        <p:txBody>
+          <a:bodyPr/>
+          <a:lstStyle/>
+          <a:p>
+            <a:r>
+              <a:rPr lang="en-US" dirty="0"/>
+              <a:t>Html </a:t>
+            </a:r>
+          </a:p>
+        </p:txBody>
+      </p:sp>
+      <p:pic>
+        <p:nvPicPr>
+          <p:cNvPr id="5" name="Content Placeholder 4" descr="Graphical user interface, text, application, email&#10;&#10;Description automatically generated">
+            <a:extLst>
+              <a:ext uri="{FF2B5EF4-FFF2-40B4-BE49-F238E27FC236}">
+                <a16:creationId xmlns:a16="http://schemas.microsoft.com/office/drawing/2014/main" id="{F098ECB8-5926-489D-ACF9-8FFD401292B9}"/>
+              </a:ext>
+            </a:extLst>
+          </p:cNvPr>
+          <p:cNvPicPr>
+            <a:picLocks noGrp="1" noChangeAspect="1"/>
+          </p:cNvPicPr>
+          <p:nvPr>
+            <p:ph idx="1"/>
+          </p:nvPr>
+        </p:nvPicPr>
+        <p:blipFill>
+          <a:blip r:embed="rId2"/>
+          <a:stretch>
+            <a:fillRect/>
+          </a:stretch>
+        </p:blipFill>
+        <p:spPr>
+          <a:xfrm>
+            <a:off x="709920" y="1690688"/>
+            <a:ext cx="6892885" cy="4351338"/>
+          </a:xfrm>
+        </p:spPr>
+      </p:pic>
+    </p:spTree>
+    <p:extLst>
+      <p:ext uri="{BB962C8B-B14F-4D97-AF65-F5344CB8AC3E}">
+        <p14:creationId xmlns:p14="http://schemas.microsoft.com/office/powerpoint/2010/main" val="1179271503"/>
+      </p:ext>
+    </p:extLst>
+  </p:cSld>
+  <p:clrMapOvr>
+    <a:masterClrMapping/>
+  </p:clrMapOvr>
+</p:sld>
+</file>
+
 <file path=ppt/slides/slide2.xml><?xml version="1.0" encoding="utf-8"?>
 <p:sld xmlns:a="http://schemas.openxmlformats.org/drawingml/2006/main" xmlns:r="http://schemas.openxmlformats.org/officeDocument/2006/relationships" xmlns:p="http://schemas.openxmlformats.org/presentationml/2006/main">
   <p:cSld>
@@ -4695,13 +6119,8 @@
           <a:p>
             <a:r>
               <a:rPr lang="en-US" dirty="0"/>
-              <a:t>Upload and display </a:t>
-            </a:r>
-            <a:r>
-              <a:rPr lang="en-US" dirty="0" err="1"/>
-              <a:t>imate</a:t>
-            </a:r>
-            <a:endParaRPr lang="en-US" dirty="0"/>
+              <a:t>Upload and display image</a:t>
+            </a:r>
           </a:p>
         </p:txBody>
       </p:sp>

--- a/Create new app.pptx
+++ b/Create new app.pptx
@@ -5,7 +5,7 @@
     <p:sldMasterId id="2147483648" r:id="rId1"/>
   </p:sldMasterIdLst>
   <p:notesMasterIdLst>
-    <p:notesMasterId r:id="rId21"/>
+    <p:notesMasterId r:id="rId23"/>
   </p:notesMasterIdLst>
   <p:sldIdLst>
     <p:sldId id="256" r:id="rId2"/>
@@ -27,6 +27,8 @@
     <p:sldId id="272" r:id="rId18"/>
     <p:sldId id="273" r:id="rId19"/>
     <p:sldId id="274" r:id="rId20"/>
+    <p:sldId id="275" r:id="rId21"/>
+    <p:sldId id="276" r:id="rId22"/>
   </p:sldIdLst>
   <p:sldSz cx="12192000" cy="6858000"/>
   <p:notesSz cx="6858000" cy="9144000"/>
@@ -155,12 +157,22 @@
             <p14:sldId id="269"/>
           </p14:sldIdLst>
         </p14:section>
-        <p14:section name="Click button and execute python (external python script)" id="{4888AA43-20B7-4EE4-A682-FFE8B4DE8E25}">
+        <p14:section name="Click button and execute python.  (external python script. This method doesnt work. Dont know why)" id="{4888AA43-20B7-4EE4-A682-FFE8B4DE8E25}">
           <p14:sldIdLst>
             <p14:sldId id="271"/>
             <p14:sldId id="272"/>
             <p14:sldId id="273"/>
             <p14:sldId id="274"/>
+          </p14:sldIdLst>
+        </p14:section>
+        <p14:section name="Click Button to upload file to server" id="{A68E60B4-147B-4801-BAC3-8045938E8D17}">
+          <p14:sldIdLst>
+            <p14:sldId id="275"/>
+          </p14:sldIdLst>
+        </p14:section>
+        <p14:section name="How to pass the user input informaiton to views.py" id="{FA261D3F-709E-4204-A4E2-FA78EAC65E3C}">
+          <p14:sldIdLst>
+            <p14:sldId id="276"/>
           </p14:sldIdLst>
         </p14:section>
       </p14:sectionLst>
@@ -254,7 +266,7 @@
           <a:p>
             <a:fld id="{A0E10CB6-354A-456B-A071-D8A2889FE234}" type="datetimeFigureOut">
               <a:rPr lang="en-US" smtClean="0"/>
-              <a:t>8/7/2021</a:t>
+              <a:t>8/14/2021</a:t>
             </a:fld>
             <a:endParaRPr lang="en-US"/>
           </a:p>
@@ -763,7 +775,7 @@
           <a:p>
             <a:fld id="{3F3FDA28-B08F-423A-96F5-499ECB6ED952}" type="datetimeFigureOut">
               <a:rPr lang="en-US" smtClean="0"/>
-              <a:t>8/7/2021</a:t>
+              <a:t>8/14/2021</a:t>
             </a:fld>
             <a:endParaRPr lang="en-US"/>
           </a:p>
@@ -961,7 +973,7 @@
           <a:p>
             <a:fld id="{3F3FDA28-B08F-423A-96F5-499ECB6ED952}" type="datetimeFigureOut">
               <a:rPr lang="en-US" smtClean="0"/>
-              <a:t>8/7/2021</a:t>
+              <a:t>8/14/2021</a:t>
             </a:fld>
             <a:endParaRPr lang="en-US"/>
           </a:p>
@@ -1169,7 +1181,7 @@
           <a:p>
             <a:fld id="{3F3FDA28-B08F-423A-96F5-499ECB6ED952}" type="datetimeFigureOut">
               <a:rPr lang="en-US" smtClean="0"/>
-              <a:t>8/7/2021</a:t>
+              <a:t>8/14/2021</a:t>
             </a:fld>
             <a:endParaRPr lang="en-US"/>
           </a:p>
@@ -1367,7 +1379,7 @@
           <a:p>
             <a:fld id="{3F3FDA28-B08F-423A-96F5-499ECB6ED952}" type="datetimeFigureOut">
               <a:rPr lang="en-US" smtClean="0"/>
-              <a:t>8/7/2021</a:t>
+              <a:t>8/14/2021</a:t>
             </a:fld>
             <a:endParaRPr lang="en-US"/>
           </a:p>
@@ -1642,7 +1654,7 @@
           <a:p>
             <a:fld id="{3F3FDA28-B08F-423A-96F5-499ECB6ED952}" type="datetimeFigureOut">
               <a:rPr lang="en-US" smtClean="0"/>
-              <a:t>8/7/2021</a:t>
+              <a:t>8/14/2021</a:t>
             </a:fld>
             <a:endParaRPr lang="en-US"/>
           </a:p>
@@ -1907,7 +1919,7 @@
           <a:p>
             <a:fld id="{3F3FDA28-B08F-423A-96F5-499ECB6ED952}" type="datetimeFigureOut">
               <a:rPr lang="en-US" smtClean="0"/>
-              <a:t>8/7/2021</a:t>
+              <a:t>8/14/2021</a:t>
             </a:fld>
             <a:endParaRPr lang="en-US"/>
           </a:p>
@@ -2319,7 +2331,7 @@
           <a:p>
             <a:fld id="{3F3FDA28-B08F-423A-96F5-499ECB6ED952}" type="datetimeFigureOut">
               <a:rPr lang="en-US" smtClean="0"/>
-              <a:t>8/7/2021</a:t>
+              <a:t>8/14/2021</a:t>
             </a:fld>
             <a:endParaRPr lang="en-US"/>
           </a:p>
@@ -2460,7 +2472,7 @@
           <a:p>
             <a:fld id="{3F3FDA28-B08F-423A-96F5-499ECB6ED952}" type="datetimeFigureOut">
               <a:rPr lang="en-US" smtClean="0"/>
-              <a:t>8/7/2021</a:t>
+              <a:t>8/14/2021</a:t>
             </a:fld>
             <a:endParaRPr lang="en-US"/>
           </a:p>
@@ -2573,7 +2585,7 @@
           <a:p>
             <a:fld id="{3F3FDA28-B08F-423A-96F5-499ECB6ED952}" type="datetimeFigureOut">
               <a:rPr lang="en-US" smtClean="0"/>
-              <a:t>8/7/2021</a:t>
+              <a:t>8/14/2021</a:t>
             </a:fld>
             <a:endParaRPr lang="en-US"/>
           </a:p>
@@ -2884,7 +2896,7 @@
           <a:p>
             <a:fld id="{3F3FDA28-B08F-423A-96F5-499ECB6ED952}" type="datetimeFigureOut">
               <a:rPr lang="en-US" smtClean="0"/>
-              <a:t>8/7/2021</a:t>
+              <a:t>8/14/2021</a:t>
             </a:fld>
             <a:endParaRPr lang="en-US"/>
           </a:p>
@@ -3172,7 +3184,7 @@
           <a:p>
             <a:fld id="{3F3FDA28-B08F-423A-96F5-499ECB6ED952}" type="datetimeFigureOut">
               <a:rPr lang="en-US" smtClean="0"/>
-              <a:t>8/7/2021</a:t>
+              <a:t>8/14/2021</a:t>
             </a:fld>
             <a:endParaRPr lang="en-US"/>
           </a:p>
@@ -3413,7 +3425,7 @@
           <a:p>
             <a:fld id="{3F3FDA28-B08F-423A-96F5-499ECB6ED952}" type="datetimeFigureOut">
               <a:rPr lang="en-US" smtClean="0"/>
-              <a:t>8/7/2021</a:t>
+              <a:t>8/14/2021</a:t>
             </a:fld>
             <a:endParaRPr lang="en-US"/>
           </a:p>
@@ -5398,6 +5410,247 @@
     <p:extLst>
       <p:ext uri="{BB962C8B-B14F-4D97-AF65-F5344CB8AC3E}">
         <p14:creationId xmlns:p14="http://schemas.microsoft.com/office/powerpoint/2010/main" val="1892168192"/>
+      </p:ext>
+    </p:extLst>
+  </p:cSld>
+  <p:clrMapOvr>
+    <a:masterClrMapping/>
+  </p:clrMapOvr>
+</p:sld>
+</file>
+
+<file path=ppt/slides/slide20.xml><?xml version="1.0" encoding="utf-8"?>
+<p:sld xmlns:a="http://schemas.openxmlformats.org/drawingml/2006/main" xmlns:r="http://schemas.openxmlformats.org/officeDocument/2006/relationships" xmlns:p="http://schemas.openxmlformats.org/presentationml/2006/main">
+  <p:cSld>
+    <p:spTree>
+      <p:nvGrpSpPr>
+        <p:cNvPr id="1" name=""/>
+        <p:cNvGrpSpPr/>
+        <p:nvPr/>
+      </p:nvGrpSpPr>
+      <p:grpSpPr>
+        <a:xfrm>
+          <a:off x="0" y="0"/>
+          <a:ext cx="0" cy="0"/>
+          <a:chOff x="0" y="0"/>
+          <a:chExt cx="0" cy="0"/>
+        </a:xfrm>
+      </p:grpSpPr>
+      <p:sp>
+        <p:nvSpPr>
+          <p:cNvPr id="2" name="Title 1">
+            <a:extLst>
+              <a:ext uri="{FF2B5EF4-FFF2-40B4-BE49-F238E27FC236}">
+                <a16:creationId xmlns:a16="http://schemas.microsoft.com/office/drawing/2014/main" id="{F4C6FCF5-3B92-42E9-8785-190E6A7D9961}"/>
+              </a:ext>
+            </a:extLst>
+          </p:cNvPr>
+          <p:cNvSpPr>
+            <a:spLocks noGrp="1"/>
+          </p:cNvSpPr>
+          <p:nvPr>
+            <p:ph type="title"/>
+          </p:nvPr>
+        </p:nvSpPr>
+        <p:spPr/>
+        <p:txBody>
+          <a:bodyPr/>
+          <a:lstStyle/>
+          <a:p>
+            <a:r>
+              <a:rPr lang="en-US" dirty="0"/>
+              <a:t>Click Button to upload file to server</a:t>
+            </a:r>
+          </a:p>
+        </p:txBody>
+      </p:sp>
+      <p:sp>
+        <p:nvSpPr>
+          <p:cNvPr id="3" name="Content Placeholder 2">
+            <a:extLst>
+              <a:ext uri="{FF2B5EF4-FFF2-40B4-BE49-F238E27FC236}">
+                <a16:creationId xmlns:a16="http://schemas.microsoft.com/office/drawing/2014/main" id="{3894E8AA-ADCA-4F6F-8993-424EA37C28F4}"/>
+              </a:ext>
+            </a:extLst>
+          </p:cNvPr>
+          <p:cNvSpPr>
+            <a:spLocks noGrp="1"/>
+          </p:cNvSpPr>
+          <p:nvPr>
+            <p:ph idx="1"/>
+          </p:nvPr>
+        </p:nvSpPr>
+        <p:spPr/>
+        <p:txBody>
+          <a:bodyPr/>
+          <a:lstStyle/>
+          <a:p>
+            <a:r>
+              <a:rPr lang="en-US" dirty="0"/>
+              <a:t>https://www.javatpoint.com/django-file-upload</a:t>
+            </a:r>
+          </a:p>
+        </p:txBody>
+      </p:sp>
+    </p:spTree>
+    <p:extLst>
+      <p:ext uri="{BB962C8B-B14F-4D97-AF65-F5344CB8AC3E}">
+        <p14:creationId xmlns:p14="http://schemas.microsoft.com/office/powerpoint/2010/main" val="2672625687"/>
+      </p:ext>
+    </p:extLst>
+  </p:cSld>
+  <p:clrMapOvr>
+    <a:masterClrMapping/>
+  </p:clrMapOvr>
+</p:sld>
+</file>
+
+<file path=ppt/slides/slide21.xml><?xml version="1.0" encoding="utf-8"?>
+<p:sld xmlns:a="http://schemas.openxmlformats.org/drawingml/2006/main" xmlns:r="http://schemas.openxmlformats.org/officeDocument/2006/relationships" xmlns:p="http://schemas.openxmlformats.org/presentationml/2006/main">
+  <p:cSld>
+    <p:spTree>
+      <p:nvGrpSpPr>
+        <p:cNvPr id="1" name=""/>
+        <p:cNvGrpSpPr/>
+        <p:nvPr/>
+      </p:nvGrpSpPr>
+      <p:grpSpPr>
+        <a:xfrm>
+          <a:off x="0" y="0"/>
+          <a:ext cx="0" cy="0"/>
+          <a:chOff x="0" y="0"/>
+          <a:chExt cx="0" cy="0"/>
+        </a:xfrm>
+      </p:grpSpPr>
+      <p:sp>
+        <p:nvSpPr>
+          <p:cNvPr id="2" name="Title 1">
+            <a:extLst>
+              <a:ext uri="{FF2B5EF4-FFF2-40B4-BE49-F238E27FC236}">
+                <a16:creationId xmlns:a16="http://schemas.microsoft.com/office/drawing/2014/main" id="{7415638B-1FB4-440A-8130-9D94FB8647BE}"/>
+              </a:ext>
+            </a:extLst>
+          </p:cNvPr>
+          <p:cNvSpPr>
+            <a:spLocks noGrp="1"/>
+          </p:cNvSpPr>
+          <p:nvPr>
+            <p:ph type="title"/>
+          </p:nvPr>
+        </p:nvSpPr>
+        <p:spPr/>
+        <p:txBody>
+          <a:bodyPr/>
+          <a:lstStyle/>
+          <a:p>
+            <a:endParaRPr lang="en-US"/>
+          </a:p>
+        </p:txBody>
+      </p:sp>
+      <p:pic>
+        <p:nvPicPr>
+          <p:cNvPr id="5" name="Content Placeholder 4" descr="Graphical user interface, text, application, email&#10;&#10;Description automatically generated">
+            <a:extLst>
+              <a:ext uri="{FF2B5EF4-FFF2-40B4-BE49-F238E27FC236}">
+                <a16:creationId xmlns:a16="http://schemas.microsoft.com/office/drawing/2014/main" id="{4323BFCD-3106-49DE-ABEE-D6B79F10D228}"/>
+              </a:ext>
+            </a:extLst>
+          </p:cNvPr>
+          <p:cNvPicPr>
+            <a:picLocks noGrp="1" noChangeAspect="1"/>
+          </p:cNvPicPr>
+          <p:nvPr>
+            <p:ph idx="1"/>
+          </p:nvPr>
+        </p:nvPicPr>
+        <p:blipFill>
+          <a:blip r:embed="rId2"/>
+          <a:stretch>
+            <a:fillRect/>
+          </a:stretch>
+        </p:blipFill>
+        <p:spPr>
+          <a:xfrm>
+            <a:off x="137834" y="1857665"/>
+            <a:ext cx="5228250" cy="3080934"/>
+          </a:xfrm>
+        </p:spPr>
+      </p:pic>
+      <p:pic>
+        <p:nvPicPr>
+          <p:cNvPr id="11" name="Picture 10" descr="Graphical user interface, text, application&#10;&#10;Description automatically generated">
+            <a:extLst>
+              <a:ext uri="{FF2B5EF4-FFF2-40B4-BE49-F238E27FC236}">
+                <a16:creationId xmlns:a16="http://schemas.microsoft.com/office/drawing/2014/main" id="{8A267724-79E0-460B-BA12-D0A3AD67D18D}"/>
+              </a:ext>
+            </a:extLst>
+          </p:cNvPr>
+          <p:cNvPicPr>
+            <a:picLocks noChangeAspect="1"/>
+          </p:cNvPicPr>
+          <p:nvPr/>
+        </p:nvPicPr>
+        <p:blipFill>
+          <a:blip r:embed="rId3"/>
+          <a:stretch>
+            <a:fillRect/>
+          </a:stretch>
+        </p:blipFill>
+        <p:spPr>
+          <a:xfrm>
+            <a:off x="5755489" y="964340"/>
+            <a:ext cx="6074418" cy="5123639"/>
+          </a:xfrm>
+          <a:prstGeom prst="rect">
+            <a:avLst/>
+          </a:prstGeom>
+        </p:spPr>
+      </p:pic>
+      <p:cxnSp>
+        <p:nvCxnSpPr>
+          <p:cNvPr id="13" name="Straight Arrow Connector 12">
+            <a:extLst>
+              <a:ext uri="{FF2B5EF4-FFF2-40B4-BE49-F238E27FC236}">
+                <a16:creationId xmlns:a16="http://schemas.microsoft.com/office/drawing/2014/main" id="{8A906E0D-A0EE-4D6B-AEBA-DD8B32364641}"/>
+              </a:ext>
+            </a:extLst>
+          </p:cNvPr>
+          <p:cNvCxnSpPr>
+            <a:cxnSpLocks/>
+          </p:cNvCxnSpPr>
+          <p:nvPr/>
+        </p:nvCxnSpPr>
+        <p:spPr>
+          <a:xfrm>
+            <a:off x="2225842" y="4006516"/>
+            <a:ext cx="4295274" cy="1564105"/>
+          </a:xfrm>
+          <a:prstGeom prst="straightConnector1">
+            <a:avLst/>
+          </a:prstGeom>
+          <a:ln>
+            <a:tailEnd type="triangle"/>
+          </a:ln>
+        </p:spPr>
+        <p:style>
+          <a:lnRef idx="1">
+            <a:schemeClr val="accent1"/>
+          </a:lnRef>
+          <a:fillRef idx="0">
+            <a:schemeClr val="accent1"/>
+          </a:fillRef>
+          <a:effectRef idx="0">
+            <a:schemeClr val="accent1"/>
+          </a:effectRef>
+          <a:fontRef idx="minor">
+            <a:schemeClr val="tx1"/>
+          </a:fontRef>
+        </p:style>
+      </p:cxnSp>
+    </p:spTree>
+    <p:extLst>
+      <p:ext uri="{BB962C8B-B14F-4D97-AF65-F5344CB8AC3E}">
+        <p14:creationId xmlns:p14="http://schemas.microsoft.com/office/powerpoint/2010/main" val="4175491722"/>
       </p:ext>
     </p:extLst>
   </p:cSld>

--- a/Create new app.pptx
+++ b/Create new app.pptx
@@ -5,7 +5,7 @@
     <p:sldMasterId id="2147483648" r:id="rId1"/>
   </p:sldMasterIdLst>
   <p:notesMasterIdLst>
-    <p:notesMasterId r:id="rId23"/>
+    <p:notesMasterId r:id="rId24"/>
   </p:notesMasterIdLst>
   <p:sldIdLst>
     <p:sldId id="256" r:id="rId2"/>
@@ -29,6 +29,7 @@
     <p:sldId id="274" r:id="rId20"/>
     <p:sldId id="275" r:id="rId21"/>
     <p:sldId id="276" r:id="rId22"/>
+    <p:sldId id="277" r:id="rId23"/>
   </p:sldIdLst>
   <p:sldSz cx="12192000" cy="6858000"/>
   <p:notesSz cx="6858000" cy="9144000"/>
@@ -173,6 +174,7 @@
         <p14:section name="How to pass the user input informaiton to views.py" id="{FA261D3F-709E-4204-A4E2-FA78EAC65E3C}">
           <p14:sldIdLst>
             <p14:sldId id="276"/>
+            <p14:sldId id="277"/>
           </p14:sldIdLst>
         </p14:section>
       </p14:sectionLst>
@@ -266,7 +268,7 @@
           <a:p>
             <a:fld id="{A0E10CB6-354A-456B-A071-D8A2889FE234}" type="datetimeFigureOut">
               <a:rPr lang="en-US" smtClean="0"/>
-              <a:t>8/14/2021</a:t>
+              <a:t>8/26/2021</a:t>
             </a:fld>
             <a:endParaRPr lang="en-US"/>
           </a:p>
@@ -775,7 +777,7 @@
           <a:p>
             <a:fld id="{3F3FDA28-B08F-423A-96F5-499ECB6ED952}" type="datetimeFigureOut">
               <a:rPr lang="en-US" smtClean="0"/>
-              <a:t>8/14/2021</a:t>
+              <a:t>8/26/2021</a:t>
             </a:fld>
             <a:endParaRPr lang="en-US"/>
           </a:p>
@@ -973,7 +975,7 @@
           <a:p>
             <a:fld id="{3F3FDA28-B08F-423A-96F5-499ECB6ED952}" type="datetimeFigureOut">
               <a:rPr lang="en-US" smtClean="0"/>
-              <a:t>8/14/2021</a:t>
+              <a:t>8/26/2021</a:t>
             </a:fld>
             <a:endParaRPr lang="en-US"/>
           </a:p>
@@ -1181,7 +1183,7 @@
           <a:p>
             <a:fld id="{3F3FDA28-B08F-423A-96F5-499ECB6ED952}" type="datetimeFigureOut">
               <a:rPr lang="en-US" smtClean="0"/>
-              <a:t>8/14/2021</a:t>
+              <a:t>8/26/2021</a:t>
             </a:fld>
             <a:endParaRPr lang="en-US"/>
           </a:p>
@@ -1379,7 +1381,7 @@
           <a:p>
             <a:fld id="{3F3FDA28-B08F-423A-96F5-499ECB6ED952}" type="datetimeFigureOut">
               <a:rPr lang="en-US" smtClean="0"/>
-              <a:t>8/14/2021</a:t>
+              <a:t>8/26/2021</a:t>
             </a:fld>
             <a:endParaRPr lang="en-US"/>
           </a:p>
@@ -1654,7 +1656,7 @@
           <a:p>
             <a:fld id="{3F3FDA28-B08F-423A-96F5-499ECB6ED952}" type="datetimeFigureOut">
               <a:rPr lang="en-US" smtClean="0"/>
-              <a:t>8/14/2021</a:t>
+              <a:t>8/26/2021</a:t>
             </a:fld>
             <a:endParaRPr lang="en-US"/>
           </a:p>
@@ -1919,7 +1921,7 @@
           <a:p>
             <a:fld id="{3F3FDA28-B08F-423A-96F5-499ECB6ED952}" type="datetimeFigureOut">
               <a:rPr lang="en-US" smtClean="0"/>
-              <a:t>8/14/2021</a:t>
+              <a:t>8/26/2021</a:t>
             </a:fld>
             <a:endParaRPr lang="en-US"/>
           </a:p>
@@ -2331,7 +2333,7 @@
           <a:p>
             <a:fld id="{3F3FDA28-B08F-423A-96F5-499ECB6ED952}" type="datetimeFigureOut">
               <a:rPr lang="en-US" smtClean="0"/>
-              <a:t>8/14/2021</a:t>
+              <a:t>8/26/2021</a:t>
             </a:fld>
             <a:endParaRPr lang="en-US"/>
           </a:p>
@@ -2472,7 +2474,7 @@
           <a:p>
             <a:fld id="{3F3FDA28-B08F-423A-96F5-499ECB6ED952}" type="datetimeFigureOut">
               <a:rPr lang="en-US" smtClean="0"/>
-              <a:t>8/14/2021</a:t>
+              <a:t>8/26/2021</a:t>
             </a:fld>
             <a:endParaRPr lang="en-US"/>
           </a:p>
@@ -2585,7 +2587,7 @@
           <a:p>
             <a:fld id="{3F3FDA28-B08F-423A-96F5-499ECB6ED952}" type="datetimeFigureOut">
               <a:rPr lang="en-US" smtClean="0"/>
-              <a:t>8/14/2021</a:t>
+              <a:t>8/26/2021</a:t>
             </a:fld>
             <a:endParaRPr lang="en-US"/>
           </a:p>
@@ -2896,7 +2898,7 @@
           <a:p>
             <a:fld id="{3F3FDA28-B08F-423A-96F5-499ECB6ED952}" type="datetimeFigureOut">
               <a:rPr lang="en-US" smtClean="0"/>
-              <a:t>8/14/2021</a:t>
+              <a:t>8/26/2021</a:t>
             </a:fld>
             <a:endParaRPr lang="en-US"/>
           </a:p>
@@ -3184,7 +3186,7 @@
           <a:p>
             <a:fld id="{3F3FDA28-B08F-423A-96F5-499ECB6ED952}" type="datetimeFigureOut">
               <a:rPr lang="en-US" smtClean="0"/>
-              <a:t>8/14/2021</a:t>
+              <a:t>8/26/2021</a:t>
             </a:fld>
             <a:endParaRPr lang="en-US"/>
           </a:p>
@@ -3425,7 +3427,7 @@
           <a:p>
             <a:fld id="{3F3FDA28-B08F-423A-96F5-499ECB6ED952}" type="datetimeFigureOut">
               <a:rPr lang="en-US" smtClean="0"/>
-              <a:t>8/14/2021</a:t>
+              <a:t>8/26/2021</a:t>
             </a:fld>
             <a:endParaRPr lang="en-US"/>
           </a:p>
@@ -5651,6 +5653,86 @@
     <p:extLst>
       <p:ext uri="{BB962C8B-B14F-4D97-AF65-F5344CB8AC3E}">
         <p14:creationId xmlns:p14="http://schemas.microsoft.com/office/powerpoint/2010/main" val="4175491722"/>
+      </p:ext>
+    </p:extLst>
+  </p:cSld>
+  <p:clrMapOvr>
+    <a:masterClrMapping/>
+  </p:clrMapOvr>
+</p:sld>
+</file>
+
+<file path=ppt/slides/slide22.xml><?xml version="1.0" encoding="utf-8"?>
+<p:sld xmlns:a="http://schemas.openxmlformats.org/drawingml/2006/main" xmlns:r="http://schemas.openxmlformats.org/officeDocument/2006/relationships" xmlns:p="http://schemas.openxmlformats.org/presentationml/2006/main">
+  <p:cSld>
+    <p:spTree>
+      <p:nvGrpSpPr>
+        <p:cNvPr id="1" name=""/>
+        <p:cNvGrpSpPr/>
+        <p:nvPr/>
+      </p:nvGrpSpPr>
+      <p:grpSpPr>
+        <a:xfrm>
+          <a:off x="0" y="0"/>
+          <a:ext cx="0" cy="0"/>
+          <a:chOff x="0" y="0"/>
+          <a:chExt cx="0" cy="0"/>
+        </a:xfrm>
+      </p:grpSpPr>
+      <p:sp>
+        <p:nvSpPr>
+          <p:cNvPr id="2" name="Title 1">
+            <a:extLst>
+              <a:ext uri="{FF2B5EF4-FFF2-40B4-BE49-F238E27FC236}">
+                <a16:creationId xmlns:a16="http://schemas.microsoft.com/office/drawing/2014/main" id="{4938EA1F-E0D0-4472-A06B-6F7367580FD3}"/>
+              </a:ext>
+            </a:extLst>
+          </p:cNvPr>
+          <p:cNvSpPr>
+            <a:spLocks noGrp="1"/>
+          </p:cNvSpPr>
+          <p:nvPr>
+            <p:ph type="title"/>
+          </p:nvPr>
+        </p:nvSpPr>
+        <p:spPr/>
+        <p:txBody>
+          <a:bodyPr/>
+          <a:lstStyle/>
+          <a:p>
+            <a:endParaRPr lang="en-US"/>
+          </a:p>
+        </p:txBody>
+      </p:sp>
+      <p:sp>
+        <p:nvSpPr>
+          <p:cNvPr id="3" name="Content Placeholder 2">
+            <a:extLst>
+              <a:ext uri="{FF2B5EF4-FFF2-40B4-BE49-F238E27FC236}">
+                <a16:creationId xmlns:a16="http://schemas.microsoft.com/office/drawing/2014/main" id="{35DDE270-4DE0-448F-84B8-EF04A0319FD8}"/>
+              </a:ext>
+            </a:extLst>
+          </p:cNvPr>
+          <p:cNvSpPr>
+            <a:spLocks noGrp="1"/>
+          </p:cNvSpPr>
+          <p:nvPr>
+            <p:ph idx="1"/>
+          </p:nvPr>
+        </p:nvSpPr>
+        <p:spPr/>
+        <p:txBody>
+          <a:bodyPr/>
+          <a:lstStyle/>
+          <a:p>
+            <a:endParaRPr lang="en-US"/>
+          </a:p>
+        </p:txBody>
+      </p:sp>
+    </p:spTree>
+    <p:extLst>
+      <p:ext uri="{BB962C8B-B14F-4D97-AF65-F5344CB8AC3E}">
+        <p14:creationId xmlns:p14="http://schemas.microsoft.com/office/powerpoint/2010/main" val="3741933013"/>
       </p:ext>
     </p:extLst>
   </p:cSld>

--- a/Create new app.pptx
+++ b/Create new app.pptx
@@ -5,7 +5,7 @@
     <p:sldMasterId id="2147483648" r:id="rId1"/>
   </p:sldMasterIdLst>
   <p:notesMasterIdLst>
-    <p:notesMasterId r:id="rId24"/>
+    <p:notesMasterId r:id="rId23"/>
   </p:notesMasterIdLst>
   <p:sldIdLst>
     <p:sldId id="256" r:id="rId2"/>
@@ -29,7 +29,6 @@
     <p:sldId id="274" r:id="rId20"/>
     <p:sldId id="275" r:id="rId21"/>
     <p:sldId id="276" r:id="rId22"/>
-    <p:sldId id="277" r:id="rId23"/>
   </p:sldIdLst>
   <p:sldSz cx="12192000" cy="6858000"/>
   <p:notesSz cx="6858000" cy="9144000"/>
@@ -174,7 +173,6 @@
         <p14:section name="How to pass the user input informaiton to views.py" id="{FA261D3F-709E-4204-A4E2-FA78EAC65E3C}">
           <p14:sldIdLst>
             <p14:sldId id="276"/>
-            <p14:sldId id="277"/>
           </p14:sldIdLst>
         </p14:section>
       </p14:sectionLst>
@@ -5653,86 +5651,6 @@
     <p:extLst>
       <p:ext uri="{BB962C8B-B14F-4D97-AF65-F5344CB8AC3E}">
         <p14:creationId xmlns:p14="http://schemas.microsoft.com/office/powerpoint/2010/main" val="4175491722"/>
-      </p:ext>
-    </p:extLst>
-  </p:cSld>
-  <p:clrMapOvr>
-    <a:masterClrMapping/>
-  </p:clrMapOvr>
-</p:sld>
-</file>
-
-<file path=ppt/slides/slide22.xml><?xml version="1.0" encoding="utf-8"?>
-<p:sld xmlns:a="http://schemas.openxmlformats.org/drawingml/2006/main" xmlns:r="http://schemas.openxmlformats.org/officeDocument/2006/relationships" xmlns:p="http://schemas.openxmlformats.org/presentationml/2006/main">
-  <p:cSld>
-    <p:spTree>
-      <p:nvGrpSpPr>
-        <p:cNvPr id="1" name=""/>
-        <p:cNvGrpSpPr/>
-        <p:nvPr/>
-      </p:nvGrpSpPr>
-      <p:grpSpPr>
-        <a:xfrm>
-          <a:off x="0" y="0"/>
-          <a:ext cx="0" cy="0"/>
-          <a:chOff x="0" y="0"/>
-          <a:chExt cx="0" cy="0"/>
-        </a:xfrm>
-      </p:grpSpPr>
-      <p:sp>
-        <p:nvSpPr>
-          <p:cNvPr id="2" name="Title 1">
-            <a:extLst>
-              <a:ext uri="{FF2B5EF4-FFF2-40B4-BE49-F238E27FC236}">
-                <a16:creationId xmlns:a16="http://schemas.microsoft.com/office/drawing/2014/main" id="{4938EA1F-E0D0-4472-A06B-6F7367580FD3}"/>
-              </a:ext>
-            </a:extLst>
-          </p:cNvPr>
-          <p:cNvSpPr>
-            <a:spLocks noGrp="1"/>
-          </p:cNvSpPr>
-          <p:nvPr>
-            <p:ph type="title"/>
-          </p:nvPr>
-        </p:nvSpPr>
-        <p:spPr/>
-        <p:txBody>
-          <a:bodyPr/>
-          <a:lstStyle/>
-          <a:p>
-            <a:endParaRPr lang="en-US"/>
-          </a:p>
-        </p:txBody>
-      </p:sp>
-      <p:sp>
-        <p:nvSpPr>
-          <p:cNvPr id="3" name="Content Placeholder 2">
-            <a:extLst>
-              <a:ext uri="{FF2B5EF4-FFF2-40B4-BE49-F238E27FC236}">
-                <a16:creationId xmlns:a16="http://schemas.microsoft.com/office/drawing/2014/main" id="{35DDE270-4DE0-448F-84B8-EF04A0319FD8}"/>
-              </a:ext>
-            </a:extLst>
-          </p:cNvPr>
-          <p:cNvSpPr>
-            <a:spLocks noGrp="1"/>
-          </p:cNvSpPr>
-          <p:nvPr>
-            <p:ph idx="1"/>
-          </p:nvPr>
-        </p:nvSpPr>
-        <p:spPr/>
-        <p:txBody>
-          <a:bodyPr/>
-          <a:lstStyle/>
-          <a:p>
-            <a:endParaRPr lang="en-US"/>
-          </a:p>
-        </p:txBody>
-      </p:sp>
-    </p:spTree>
-    <p:extLst>
-      <p:ext uri="{BB962C8B-B14F-4D97-AF65-F5344CB8AC3E}">
-        <p14:creationId xmlns:p14="http://schemas.microsoft.com/office/powerpoint/2010/main" val="3741933013"/>
       </p:ext>
     </p:extLst>
   </p:cSld>
